--- a/Pandecta Logo.pptx
+++ b/Pandecta Logo.pptx
@@ -14,6 +14,9 @@
     <p:sldId id="264" r:id="rId8"/>
     <p:sldId id="258" r:id="rId9"/>
     <p:sldId id="261" r:id="rId10"/>
+    <p:sldId id="265" r:id="rId11"/>
+    <p:sldId id="266" r:id="rId12"/>
+    <p:sldId id="267" r:id="rId13"/>
   </p:sldIdLst>
   <p:sldSz cx="12192000" cy="6858000"/>
   <p:notesSz cx="6858000" cy="9144000"/>
@@ -123,13 +126,275 @@
 <file path=ppt/revisionInfo.xml><?xml version="1.0" encoding="utf-8"?>
 <p1510:revInfo xmlns:a="http://schemas.openxmlformats.org/drawingml/2006/main" xmlns:r="http://schemas.openxmlformats.org/officeDocument/2006/relationships" xmlns:p1510="http://schemas.microsoft.com/office/powerpoint/2015/10/main">
   <p1510:revLst>
-    <p1510:client id="{F54B8C28-CE1C-40E9-AE3A-501FE96BA8CB}" v="69" dt="2024-04-27T15:01:34.172"/>
+    <p1510:client id="{EAA9CB8D-51A7-4023-9954-B5D3A58F8F16}" v="14" dt="2024-06-18T14:22:52.737"/>
   </p1510:revLst>
 </p1510:revInfo>
 </file>
 
 <file path=ppt/changesInfos/changesInfo1.xml><?xml version="1.0" encoding="utf-8"?>
 <pc:chgInfo xmlns:a="http://schemas.openxmlformats.org/drawingml/2006/main" xmlns:r="http://schemas.openxmlformats.org/officeDocument/2006/relationships" xmlns:ac="http://schemas.microsoft.com/office/drawing/2013/main/command" xmlns:pc="http://schemas.microsoft.com/office/powerpoint/2013/main/command">
+  <pc:docChgLst>
+    <pc:chgData name="Uros Kuzmanov" userId="9dea3f15909c750c" providerId="LiveId" clId="{EAA9CB8D-51A7-4023-9954-B5D3A58F8F16}"/>
+    <pc:docChg chg="undo custSel addSld modSld">
+      <pc:chgData name="Uros Kuzmanov" userId="9dea3f15909c750c" providerId="LiveId" clId="{EAA9CB8D-51A7-4023-9954-B5D3A58F8F16}" dt="2024-06-18T14:22:52.737" v="366" actId="164"/>
+      <pc:docMkLst>
+        <pc:docMk/>
+      </pc:docMkLst>
+      <pc:sldChg chg="addSp delSp modSp add mod setBg">
+        <pc:chgData name="Uros Kuzmanov" userId="9dea3f15909c750c" providerId="LiveId" clId="{EAA9CB8D-51A7-4023-9954-B5D3A58F8F16}" dt="2024-06-18T13:55:08.723" v="349" actId="692"/>
+        <pc:sldMkLst>
+          <pc:docMk/>
+          <pc:sldMk cId="2510070098" sldId="265"/>
+        </pc:sldMkLst>
+        <pc:spChg chg="mod">
+          <ac:chgData name="Uros Kuzmanov" userId="9dea3f15909c750c" providerId="LiveId" clId="{EAA9CB8D-51A7-4023-9954-B5D3A58F8F16}" dt="2024-06-18T13:54:37.255" v="347" actId="692"/>
+          <ac:spMkLst>
+            <pc:docMk/>
+            <pc:sldMk cId="2510070098" sldId="265"/>
+            <ac:spMk id="3" creationId="{6051A631-4B9F-38DD-BB09-58AA4917B519}"/>
+          </ac:spMkLst>
+        </pc:spChg>
+        <pc:spChg chg="mod">
+          <ac:chgData name="Uros Kuzmanov" userId="9dea3f15909c750c" providerId="LiveId" clId="{EAA9CB8D-51A7-4023-9954-B5D3A58F8F16}" dt="2024-06-18T13:54:37.255" v="347" actId="692"/>
+          <ac:spMkLst>
+            <pc:docMk/>
+            <pc:sldMk cId="2510070098" sldId="265"/>
+            <ac:spMk id="4" creationId="{AD55367B-DCBB-23AF-DEE7-C47BF407F86C}"/>
+          </ac:spMkLst>
+        </pc:spChg>
+        <pc:spChg chg="mod">
+          <ac:chgData name="Uros Kuzmanov" userId="9dea3f15909c750c" providerId="LiveId" clId="{EAA9CB8D-51A7-4023-9954-B5D3A58F8F16}" dt="2024-06-18T13:54:37.255" v="347" actId="692"/>
+          <ac:spMkLst>
+            <pc:docMk/>
+            <pc:sldMk cId="2510070098" sldId="265"/>
+            <ac:spMk id="5" creationId="{745013C6-5C5C-B741-4F69-4FD842D93703}"/>
+          </ac:spMkLst>
+        </pc:spChg>
+        <pc:spChg chg="mod">
+          <ac:chgData name="Uros Kuzmanov" userId="9dea3f15909c750c" providerId="LiveId" clId="{EAA9CB8D-51A7-4023-9954-B5D3A58F8F16}" dt="2024-06-18T13:54:37.255" v="347" actId="692"/>
+          <ac:spMkLst>
+            <pc:docMk/>
+            <pc:sldMk cId="2510070098" sldId="265"/>
+            <ac:spMk id="6" creationId="{C625B72B-13D1-FD7C-7A39-5728AEB8CDBB}"/>
+          </ac:spMkLst>
+        </pc:spChg>
+        <pc:spChg chg="mod">
+          <ac:chgData name="Uros Kuzmanov" userId="9dea3f15909c750c" providerId="LiveId" clId="{EAA9CB8D-51A7-4023-9954-B5D3A58F8F16}" dt="2024-06-18T13:54:37.255" v="347" actId="692"/>
+          <ac:spMkLst>
+            <pc:docMk/>
+            <pc:sldMk cId="2510070098" sldId="265"/>
+            <ac:spMk id="7" creationId="{052AB4E1-7AE9-B4B9-81FC-B24DB54FD57A}"/>
+          </ac:spMkLst>
+        </pc:spChg>
+        <pc:spChg chg="mod topLvl">
+          <ac:chgData name="Uros Kuzmanov" userId="9dea3f15909c750c" providerId="LiveId" clId="{EAA9CB8D-51A7-4023-9954-B5D3A58F8F16}" dt="2024-06-18T13:55:08.723" v="349" actId="692"/>
+          <ac:spMkLst>
+            <pc:docMk/>
+            <pc:sldMk cId="2510070098" sldId="265"/>
+            <ac:spMk id="29" creationId="{972EAAE7-CB05-50CC-B85A-F6B08BEEEAA5}"/>
+          </ac:spMkLst>
+        </pc:spChg>
+        <pc:grpChg chg="del">
+          <ac:chgData name="Uros Kuzmanov" userId="9dea3f15909c750c" providerId="LiveId" clId="{EAA9CB8D-51A7-4023-9954-B5D3A58F8F16}" dt="2024-06-18T13:43:09.166" v="1" actId="165"/>
+          <ac:grpSpMkLst>
+            <pc:docMk/>
+            <pc:sldMk cId="2510070098" sldId="265"/>
+            <ac:grpSpMk id="18" creationId="{CDACE884-557D-66C8-109F-5A4720361A6F}"/>
+          </ac:grpSpMkLst>
+        </pc:grpChg>
+        <pc:grpChg chg="mod topLvl">
+          <ac:chgData name="Uros Kuzmanov" userId="9dea3f15909c750c" providerId="LiveId" clId="{EAA9CB8D-51A7-4023-9954-B5D3A58F8F16}" dt="2024-06-18T13:45:16.566" v="36" actId="207"/>
+          <ac:grpSpMkLst>
+            <pc:docMk/>
+            <pc:sldMk cId="2510070098" sldId="265"/>
+            <ac:grpSpMk id="27" creationId="{1CAB6D8C-FFEA-CFD1-5A17-D7CA4264C1BB}"/>
+          </ac:grpSpMkLst>
+        </pc:grpChg>
+        <pc:picChg chg="add mod">
+          <ac:chgData name="Uros Kuzmanov" userId="9dea3f15909c750c" providerId="LiveId" clId="{EAA9CB8D-51A7-4023-9954-B5D3A58F8F16}" dt="2024-06-18T13:54:18.866" v="345" actId="1076"/>
+          <ac:picMkLst>
+            <pc:docMk/>
+            <pc:sldMk cId="2510070098" sldId="265"/>
+            <ac:picMk id="11" creationId="{7EC2BCA0-C025-591A-835F-8E5145248C78}"/>
+          </ac:picMkLst>
+        </pc:picChg>
+        <pc:cxnChg chg="mod">
+          <ac:chgData name="Uros Kuzmanov" userId="9dea3f15909c750c" providerId="LiveId" clId="{EAA9CB8D-51A7-4023-9954-B5D3A58F8F16}" dt="2024-06-18T13:54:37.255" v="347" actId="692"/>
+          <ac:cxnSpMkLst>
+            <pc:docMk/>
+            <pc:sldMk cId="2510070098" sldId="265"/>
+            <ac:cxnSpMk id="2" creationId="{8080D577-216F-7287-1F0A-2CA1AF6659F9}"/>
+          </ac:cxnSpMkLst>
+        </pc:cxnChg>
+        <pc:cxnChg chg="mod">
+          <ac:chgData name="Uros Kuzmanov" userId="9dea3f15909c750c" providerId="LiveId" clId="{EAA9CB8D-51A7-4023-9954-B5D3A58F8F16}" dt="2024-06-18T13:54:37.255" v="347" actId="692"/>
+          <ac:cxnSpMkLst>
+            <pc:docMk/>
+            <pc:sldMk cId="2510070098" sldId="265"/>
+            <ac:cxnSpMk id="8" creationId="{57D9E6F5-7C2F-DD53-CDF1-61B22C84B3F3}"/>
+          </ac:cxnSpMkLst>
+        </pc:cxnChg>
+        <pc:cxnChg chg="mod">
+          <ac:chgData name="Uros Kuzmanov" userId="9dea3f15909c750c" providerId="LiveId" clId="{EAA9CB8D-51A7-4023-9954-B5D3A58F8F16}" dt="2024-06-18T13:54:37.255" v="347" actId="692"/>
+          <ac:cxnSpMkLst>
+            <pc:docMk/>
+            <pc:sldMk cId="2510070098" sldId="265"/>
+            <ac:cxnSpMk id="9" creationId="{E961CE41-331B-4CEB-804D-9E53F8D7434F}"/>
+          </ac:cxnSpMkLst>
+        </pc:cxnChg>
+        <pc:cxnChg chg="mod">
+          <ac:chgData name="Uros Kuzmanov" userId="9dea3f15909c750c" providerId="LiveId" clId="{EAA9CB8D-51A7-4023-9954-B5D3A58F8F16}" dt="2024-06-18T13:54:37.255" v="347" actId="692"/>
+          <ac:cxnSpMkLst>
+            <pc:docMk/>
+            <pc:sldMk cId="2510070098" sldId="265"/>
+            <ac:cxnSpMk id="10" creationId="{5BEFE6B0-0A70-1241-5D00-544EA014E072}"/>
+          </ac:cxnSpMkLst>
+        </pc:cxnChg>
+      </pc:sldChg>
+      <pc:sldChg chg="addSp delSp modSp new mod">
+        <pc:chgData name="Uros Kuzmanov" userId="9dea3f15909c750c" providerId="LiveId" clId="{EAA9CB8D-51A7-4023-9954-B5D3A58F8F16}" dt="2024-06-18T13:53:56.182" v="343"/>
+        <pc:sldMkLst>
+          <pc:docMk/>
+          <pc:sldMk cId="3676510213" sldId="266"/>
+        </pc:sldMkLst>
+        <pc:spChg chg="del">
+          <ac:chgData name="Uros Kuzmanov" userId="9dea3f15909c750c" providerId="LiveId" clId="{EAA9CB8D-51A7-4023-9954-B5D3A58F8F16}" dt="2024-06-18T13:48:47.004" v="152" actId="478"/>
+          <ac:spMkLst>
+            <pc:docMk/>
+            <pc:sldMk cId="3676510213" sldId="266"/>
+            <ac:spMk id="2" creationId="{C825B116-E1CC-2DE0-DE79-2E3B3450461E}"/>
+          </ac:spMkLst>
+        </pc:spChg>
+        <pc:spChg chg="del">
+          <ac:chgData name="Uros Kuzmanov" userId="9dea3f15909c750c" providerId="LiveId" clId="{EAA9CB8D-51A7-4023-9954-B5D3A58F8F16}" dt="2024-06-18T13:48:45.499" v="151" actId="478"/>
+          <ac:spMkLst>
+            <pc:docMk/>
+            <pc:sldMk cId="3676510213" sldId="266"/>
+            <ac:spMk id="3" creationId="{0CD2243D-20AE-D5AC-6EC5-1E5782F18ABC}"/>
+          </ac:spMkLst>
+        </pc:spChg>
+        <pc:picChg chg="add mod">
+          <ac:chgData name="Uros Kuzmanov" userId="9dea3f15909c750c" providerId="LiveId" clId="{EAA9CB8D-51A7-4023-9954-B5D3A58F8F16}" dt="2024-06-18T13:53:56.182" v="343"/>
+          <ac:picMkLst>
+            <pc:docMk/>
+            <pc:sldMk cId="3676510213" sldId="266"/>
+            <ac:picMk id="4" creationId="{7D4311A5-BAE8-90A8-6851-1F352EEF607C}"/>
+          </ac:picMkLst>
+        </pc:picChg>
+      </pc:sldChg>
+      <pc:sldChg chg="addSp delSp modSp mod setBg">
+        <pc:chgData name="Uros Kuzmanov" userId="9dea3f15909c750c" providerId="LiveId" clId="{EAA9CB8D-51A7-4023-9954-B5D3A58F8F16}" dt="2024-06-18T14:22:52.737" v="366" actId="164"/>
+        <pc:sldMkLst>
+          <pc:docMk/>
+          <pc:sldMk cId="1557173972" sldId="267"/>
+        </pc:sldMkLst>
+        <pc:spChg chg="mod">
+          <ac:chgData name="Uros Kuzmanov" userId="9dea3f15909c750c" providerId="LiveId" clId="{EAA9CB8D-51A7-4023-9954-B5D3A58F8F16}" dt="2024-06-18T13:57:22.187" v="359" actId="207"/>
+          <ac:spMkLst>
+            <pc:docMk/>
+            <pc:sldMk cId="1557173972" sldId="267"/>
+            <ac:spMk id="3" creationId="{6051A631-4B9F-38DD-BB09-58AA4917B519}"/>
+          </ac:spMkLst>
+        </pc:spChg>
+        <pc:spChg chg="mod">
+          <ac:chgData name="Uros Kuzmanov" userId="9dea3f15909c750c" providerId="LiveId" clId="{EAA9CB8D-51A7-4023-9954-B5D3A58F8F16}" dt="2024-06-18T13:57:13.935" v="357" actId="692"/>
+          <ac:spMkLst>
+            <pc:docMk/>
+            <pc:sldMk cId="1557173972" sldId="267"/>
+            <ac:spMk id="4" creationId="{AD55367B-DCBB-23AF-DEE7-C47BF407F86C}"/>
+          </ac:spMkLst>
+        </pc:spChg>
+        <pc:spChg chg="mod">
+          <ac:chgData name="Uros Kuzmanov" userId="9dea3f15909c750c" providerId="LiveId" clId="{EAA9CB8D-51A7-4023-9954-B5D3A58F8F16}" dt="2024-06-18T13:57:13.935" v="357" actId="692"/>
+          <ac:spMkLst>
+            <pc:docMk/>
+            <pc:sldMk cId="1557173972" sldId="267"/>
+            <ac:spMk id="5" creationId="{745013C6-5C5C-B741-4F69-4FD842D93703}"/>
+          </ac:spMkLst>
+        </pc:spChg>
+        <pc:spChg chg="mod">
+          <ac:chgData name="Uros Kuzmanov" userId="9dea3f15909c750c" providerId="LiveId" clId="{EAA9CB8D-51A7-4023-9954-B5D3A58F8F16}" dt="2024-06-18T13:57:13.935" v="357" actId="692"/>
+          <ac:spMkLst>
+            <pc:docMk/>
+            <pc:sldMk cId="1557173972" sldId="267"/>
+            <ac:spMk id="6" creationId="{C625B72B-13D1-FD7C-7A39-5728AEB8CDBB}"/>
+          </ac:spMkLst>
+        </pc:spChg>
+        <pc:spChg chg="mod">
+          <ac:chgData name="Uros Kuzmanov" userId="9dea3f15909c750c" providerId="LiveId" clId="{EAA9CB8D-51A7-4023-9954-B5D3A58F8F16}" dt="2024-06-18T13:57:13.935" v="357" actId="692"/>
+          <ac:spMkLst>
+            <pc:docMk/>
+            <pc:sldMk cId="1557173972" sldId="267"/>
+            <ac:spMk id="7" creationId="{052AB4E1-7AE9-B4B9-81FC-B24DB54FD57A}"/>
+          </ac:spMkLst>
+        </pc:spChg>
+        <pc:spChg chg="mod topLvl">
+          <ac:chgData name="Uros Kuzmanov" userId="9dea3f15909c750c" providerId="LiveId" clId="{EAA9CB8D-51A7-4023-9954-B5D3A58F8F16}" dt="2024-06-18T14:22:52.737" v="366" actId="164"/>
+          <ac:spMkLst>
+            <pc:docMk/>
+            <pc:sldMk cId="1557173972" sldId="267"/>
+            <ac:spMk id="29" creationId="{972EAAE7-CB05-50CC-B85A-F6B08BEEEAA5}"/>
+          </ac:spMkLst>
+        </pc:spChg>
+        <pc:grpChg chg="add mod">
+          <ac:chgData name="Uros Kuzmanov" userId="9dea3f15909c750c" providerId="LiveId" clId="{EAA9CB8D-51A7-4023-9954-B5D3A58F8F16}" dt="2024-06-18T14:22:52.737" v="366" actId="164"/>
+          <ac:grpSpMkLst>
+            <pc:docMk/>
+            <pc:sldMk cId="1557173972" sldId="267"/>
+            <ac:grpSpMk id="11" creationId="{EBEA597A-F1EB-F40D-C62D-5A72062AB23A}"/>
+          </ac:grpSpMkLst>
+        </pc:grpChg>
+        <pc:grpChg chg="del">
+          <ac:chgData name="Uros Kuzmanov" userId="9dea3f15909c750c" providerId="LiveId" clId="{EAA9CB8D-51A7-4023-9954-B5D3A58F8F16}" dt="2024-06-18T13:56:25.936" v="351" actId="165"/>
+          <ac:grpSpMkLst>
+            <pc:docMk/>
+            <pc:sldMk cId="1557173972" sldId="267"/>
+            <ac:grpSpMk id="18" creationId="{CDACE884-557D-66C8-109F-5A4720361A6F}"/>
+          </ac:grpSpMkLst>
+        </pc:grpChg>
+        <pc:grpChg chg="mod topLvl">
+          <ac:chgData name="Uros Kuzmanov" userId="9dea3f15909c750c" providerId="LiveId" clId="{EAA9CB8D-51A7-4023-9954-B5D3A58F8F16}" dt="2024-06-18T14:22:52.737" v="366" actId="164"/>
+          <ac:grpSpMkLst>
+            <pc:docMk/>
+            <pc:sldMk cId="1557173972" sldId="267"/>
+            <ac:grpSpMk id="27" creationId="{1CAB6D8C-FFEA-CFD1-5A17-D7CA4264C1BB}"/>
+          </ac:grpSpMkLst>
+        </pc:grpChg>
+        <pc:cxnChg chg="mod">
+          <ac:chgData name="Uros Kuzmanov" userId="9dea3f15909c750c" providerId="LiveId" clId="{EAA9CB8D-51A7-4023-9954-B5D3A58F8F16}" dt="2024-06-18T13:57:13.935" v="357" actId="692"/>
+          <ac:cxnSpMkLst>
+            <pc:docMk/>
+            <pc:sldMk cId="1557173972" sldId="267"/>
+            <ac:cxnSpMk id="2" creationId="{8080D577-216F-7287-1F0A-2CA1AF6659F9}"/>
+          </ac:cxnSpMkLst>
+        </pc:cxnChg>
+        <pc:cxnChg chg="mod">
+          <ac:chgData name="Uros Kuzmanov" userId="9dea3f15909c750c" providerId="LiveId" clId="{EAA9CB8D-51A7-4023-9954-B5D3A58F8F16}" dt="2024-06-18T13:57:13.935" v="357" actId="692"/>
+          <ac:cxnSpMkLst>
+            <pc:docMk/>
+            <pc:sldMk cId="1557173972" sldId="267"/>
+            <ac:cxnSpMk id="8" creationId="{57D9E6F5-7C2F-DD53-CDF1-61B22C84B3F3}"/>
+          </ac:cxnSpMkLst>
+        </pc:cxnChg>
+        <pc:cxnChg chg="mod">
+          <ac:chgData name="Uros Kuzmanov" userId="9dea3f15909c750c" providerId="LiveId" clId="{EAA9CB8D-51A7-4023-9954-B5D3A58F8F16}" dt="2024-06-18T13:57:13.935" v="357" actId="692"/>
+          <ac:cxnSpMkLst>
+            <pc:docMk/>
+            <pc:sldMk cId="1557173972" sldId="267"/>
+            <ac:cxnSpMk id="9" creationId="{E961CE41-331B-4CEB-804D-9E53F8D7434F}"/>
+          </ac:cxnSpMkLst>
+        </pc:cxnChg>
+        <pc:cxnChg chg="mod">
+          <ac:chgData name="Uros Kuzmanov" userId="9dea3f15909c750c" providerId="LiveId" clId="{EAA9CB8D-51A7-4023-9954-B5D3A58F8F16}" dt="2024-06-18T13:57:13.935" v="357" actId="692"/>
+          <ac:cxnSpMkLst>
+            <pc:docMk/>
+            <pc:sldMk cId="1557173972" sldId="267"/>
+            <ac:cxnSpMk id="10" creationId="{5BEFE6B0-0A70-1241-5D00-544EA014E072}"/>
+          </ac:cxnSpMkLst>
+        </pc:cxnChg>
+      </pc:sldChg>
+    </pc:docChg>
+  </pc:docChgLst>
   <pc:docChgLst>
     <pc:chgData name="Uros Kuzmanov" userId="9dea3f15909c750c" providerId="LiveId" clId="{F54B8C28-CE1C-40E9-AE3A-501FE96BA8CB}"/>
     <pc:docChg chg="undo custSel addSld modSld">
@@ -1354,7 +1619,7 @@
           <a:p>
             <a:fld id="{3049AE66-483B-45C0-BA88-1D3C87F66297}" type="datetimeFigureOut">
               <a:rPr lang="en-CA" smtClean="0"/>
-              <a:t>2024-04-27</a:t>
+              <a:t>2024-06-18</a:t>
             </a:fld>
             <a:endParaRPr lang="en-CA"/>
           </a:p>
@@ -1554,7 +1819,7 @@
           <a:p>
             <a:fld id="{3049AE66-483B-45C0-BA88-1D3C87F66297}" type="datetimeFigureOut">
               <a:rPr lang="en-CA" smtClean="0"/>
-              <a:t>2024-04-27</a:t>
+              <a:t>2024-06-18</a:t>
             </a:fld>
             <a:endParaRPr lang="en-CA"/>
           </a:p>
@@ -1764,7 +2029,7 @@
           <a:p>
             <a:fld id="{3049AE66-483B-45C0-BA88-1D3C87F66297}" type="datetimeFigureOut">
               <a:rPr lang="en-CA" smtClean="0"/>
-              <a:t>2024-04-27</a:t>
+              <a:t>2024-06-18</a:t>
             </a:fld>
             <a:endParaRPr lang="en-CA"/>
           </a:p>
@@ -1964,7 +2229,7 @@
           <a:p>
             <a:fld id="{3049AE66-483B-45C0-BA88-1D3C87F66297}" type="datetimeFigureOut">
               <a:rPr lang="en-CA" smtClean="0"/>
-              <a:t>2024-04-27</a:t>
+              <a:t>2024-06-18</a:t>
             </a:fld>
             <a:endParaRPr lang="en-CA"/>
           </a:p>
@@ -2240,7 +2505,7 @@
           <a:p>
             <a:fld id="{3049AE66-483B-45C0-BA88-1D3C87F66297}" type="datetimeFigureOut">
               <a:rPr lang="en-CA" smtClean="0"/>
-              <a:t>2024-04-27</a:t>
+              <a:t>2024-06-18</a:t>
             </a:fld>
             <a:endParaRPr lang="en-CA"/>
           </a:p>
@@ -2508,7 +2773,7 @@
           <a:p>
             <a:fld id="{3049AE66-483B-45C0-BA88-1D3C87F66297}" type="datetimeFigureOut">
               <a:rPr lang="en-CA" smtClean="0"/>
-              <a:t>2024-04-27</a:t>
+              <a:t>2024-06-18</a:t>
             </a:fld>
             <a:endParaRPr lang="en-CA"/>
           </a:p>
@@ -2923,7 +3188,7 @@
           <a:p>
             <a:fld id="{3049AE66-483B-45C0-BA88-1D3C87F66297}" type="datetimeFigureOut">
               <a:rPr lang="en-CA" smtClean="0"/>
-              <a:t>2024-04-27</a:t>
+              <a:t>2024-06-18</a:t>
             </a:fld>
             <a:endParaRPr lang="en-CA"/>
           </a:p>
@@ -3065,7 +3330,7 @@
           <a:p>
             <a:fld id="{3049AE66-483B-45C0-BA88-1D3C87F66297}" type="datetimeFigureOut">
               <a:rPr lang="en-CA" smtClean="0"/>
-              <a:t>2024-04-27</a:t>
+              <a:t>2024-06-18</a:t>
             </a:fld>
             <a:endParaRPr lang="en-CA"/>
           </a:p>
@@ -3178,7 +3443,7 @@
           <a:p>
             <a:fld id="{3049AE66-483B-45C0-BA88-1D3C87F66297}" type="datetimeFigureOut">
               <a:rPr lang="en-CA" smtClean="0"/>
-              <a:t>2024-04-27</a:t>
+              <a:t>2024-06-18</a:t>
             </a:fld>
             <a:endParaRPr lang="en-CA"/>
           </a:p>
@@ -3491,7 +3756,7 @@
           <a:p>
             <a:fld id="{3049AE66-483B-45C0-BA88-1D3C87F66297}" type="datetimeFigureOut">
               <a:rPr lang="en-CA" smtClean="0"/>
-              <a:t>2024-04-27</a:t>
+              <a:t>2024-06-18</a:t>
             </a:fld>
             <a:endParaRPr lang="en-CA"/>
           </a:p>
@@ -3780,7 +4045,7 @@
           <a:p>
             <a:fld id="{3049AE66-483B-45C0-BA88-1D3C87F66297}" type="datetimeFigureOut">
               <a:rPr lang="en-CA" smtClean="0"/>
-              <a:t>2024-04-27</a:t>
+              <a:t>2024-06-18</a:t>
             </a:fld>
             <a:endParaRPr lang="en-CA"/>
           </a:p>
@@ -4023,7 +4288,7 @@
           <a:p>
             <a:fld id="{3049AE66-483B-45C0-BA88-1D3C87F66297}" type="datetimeFigureOut">
               <a:rPr lang="en-CA" smtClean="0"/>
-              <a:t>2024-04-27</a:t>
+              <a:t>2024-06-18</a:t>
             </a:fld>
             <a:endParaRPr lang="en-CA"/>
           </a:p>
@@ -6153,6 +6418,1506 @@
     <p:extLst>
       <p:ext uri="{BB962C8B-B14F-4D97-AF65-F5344CB8AC3E}">
         <p14:creationId xmlns:p14="http://schemas.microsoft.com/office/powerpoint/2010/main" val="3081940289"/>
+      </p:ext>
+    </p:extLst>
+  </p:cSld>
+  <p:clrMapOvr>
+    <a:masterClrMapping/>
+  </p:clrMapOvr>
+</p:sld>
+</file>
+
+<file path=ppt/slides/slide10.xml><?xml version="1.0" encoding="utf-8"?>
+<p:sld xmlns:a="http://schemas.openxmlformats.org/drawingml/2006/main" xmlns:r="http://schemas.openxmlformats.org/officeDocument/2006/relationships" xmlns:p="http://schemas.openxmlformats.org/presentationml/2006/main">
+  <p:cSld>
+    <p:spTree>
+      <p:nvGrpSpPr>
+        <p:cNvPr id="1" name=""/>
+        <p:cNvGrpSpPr/>
+        <p:nvPr/>
+      </p:nvGrpSpPr>
+      <p:grpSpPr>
+        <a:xfrm>
+          <a:off x="0" y="0"/>
+          <a:ext cx="0" cy="0"/>
+          <a:chOff x="0" y="0"/>
+          <a:chExt cx="0" cy="0"/>
+        </a:xfrm>
+      </p:grpSpPr>
+      <p:sp>
+        <p:nvSpPr>
+          <p:cNvPr id="29" name="Freeform: Shape 28" descr="Water outline">
+            <a:extLst>
+              <a:ext uri="{FF2B5EF4-FFF2-40B4-BE49-F238E27FC236}">
+                <a16:creationId xmlns:a16="http://schemas.microsoft.com/office/drawing/2014/main" id="{972EAAE7-CB05-50CC-B85A-F6B08BEEEAA5}"/>
+              </a:ext>
+            </a:extLst>
+          </p:cNvPr>
+          <p:cNvSpPr/>
+          <p:nvPr/>
+        </p:nvSpPr>
+        <p:spPr>
+          <a:xfrm rot="10800000">
+            <a:off x="4016821" y="1252975"/>
+            <a:ext cx="2400911" cy="4644107"/>
+          </a:xfrm>
+          <a:custGeom>
+            <a:avLst/>
+            <a:gdLst>
+              <a:gd name="connsiteX0" fmla="*/ 870727 w 2433859"/>
+              <a:gd name="connsiteY0" fmla="*/ 4644107 h 4644107"/>
+              <a:gd name="connsiteX1" fmla="*/ 924441 w 2433859"/>
+              <a:gd name="connsiteY1" fmla="*/ 4569178 h 4644107"/>
+              <a:gd name="connsiteX2" fmla="*/ 955569 w 2433859"/>
+              <a:gd name="connsiteY2" fmla="*/ 4512861 h 4644107"/>
+              <a:gd name="connsiteX3" fmla="*/ 1055887 w 2433859"/>
+              <a:gd name="connsiteY3" fmla="*/ 4499017 h 4644107"/>
+              <a:gd name="connsiteX4" fmla="*/ 2298530 w 2433859"/>
+              <a:gd name="connsiteY4" fmla="*/ 3120378 h 4644107"/>
+              <a:gd name="connsiteX5" fmla="*/ 742391 w 2433859"/>
+              <a:gd name="connsiteY5" fmla="*/ 215098 h 4644107"/>
+              <a:gd name="connsiteX6" fmla="*/ 216604 w 2433859"/>
+              <a:gd name="connsiteY6" fmla="*/ 951402 h 4644107"/>
+              <a:gd name="connsiteX7" fmla="*/ 103690 w 2433859"/>
+              <a:gd name="connsiteY7" fmla="*/ 1120845 h 4644107"/>
+              <a:gd name="connsiteX8" fmla="*/ 85727 w 2433859"/>
+              <a:gd name="connsiteY8" fmla="*/ 1104757 h 4644107"/>
+              <a:gd name="connsiteX9" fmla="*/ 0 w 2433859"/>
+              <a:gd name="connsiteY9" fmla="*/ 1039635 h 4644107"/>
+              <a:gd name="connsiteX10" fmla="*/ 54196 w 2433859"/>
+              <a:gd name="connsiteY10" fmla="*/ 956933 h 4644107"/>
+              <a:gd name="connsiteX11" fmla="*/ 742242 w 2433859"/>
+              <a:gd name="connsiteY11" fmla="*/ 0 h 4644107"/>
+              <a:gd name="connsiteX12" fmla="*/ 2433859 w 2433859"/>
+              <a:gd name="connsiteY12" fmla="*/ 3120378 h 4644107"/>
+              <a:gd name="connsiteX13" fmla="*/ 915199 w 2433859"/>
+              <a:gd name="connsiteY13" fmla="*/ 4642077 h 4644107"/>
+            </a:gdLst>
+            <a:ahLst/>
+            <a:cxnLst>
+              <a:cxn ang="0">
+                <a:pos x="connsiteX0" y="connsiteY0"/>
+              </a:cxn>
+              <a:cxn ang="0">
+                <a:pos x="connsiteX1" y="connsiteY1"/>
+              </a:cxn>
+              <a:cxn ang="0">
+                <a:pos x="connsiteX2" y="connsiteY2"/>
+              </a:cxn>
+              <a:cxn ang="0">
+                <a:pos x="connsiteX3" y="connsiteY3"/>
+              </a:cxn>
+              <a:cxn ang="0">
+                <a:pos x="connsiteX4" y="connsiteY4"/>
+              </a:cxn>
+              <a:cxn ang="0">
+                <a:pos x="connsiteX5" y="connsiteY5"/>
+              </a:cxn>
+              <a:cxn ang="0">
+                <a:pos x="connsiteX6" y="connsiteY6"/>
+              </a:cxn>
+              <a:cxn ang="0">
+                <a:pos x="connsiteX7" y="connsiteY7"/>
+              </a:cxn>
+              <a:cxn ang="0">
+                <a:pos x="connsiteX8" y="connsiteY8"/>
+              </a:cxn>
+              <a:cxn ang="0">
+                <a:pos x="connsiteX9" y="connsiteY9"/>
+              </a:cxn>
+              <a:cxn ang="0">
+                <a:pos x="connsiteX10" y="connsiteY10"/>
+              </a:cxn>
+              <a:cxn ang="0">
+                <a:pos x="connsiteX11" y="connsiteY11"/>
+              </a:cxn>
+              <a:cxn ang="0">
+                <a:pos x="connsiteX12" y="connsiteY12"/>
+              </a:cxn>
+              <a:cxn ang="0">
+                <a:pos x="connsiteX13" y="connsiteY13"/>
+              </a:cxn>
+            </a:cxnLst>
+            <a:rect l="l" t="t" r="r" b="b"/>
+            <a:pathLst>
+              <a:path w="2433859" h="4644107">
+                <a:moveTo>
+                  <a:pt x="870727" y="4644107"/>
+                </a:moveTo>
+                <a:lnTo>
+                  <a:pt x="924441" y="4569178"/>
+                </a:lnTo>
+                <a:lnTo>
+                  <a:pt x="955569" y="4512861"/>
+                </a:lnTo>
+                <a:lnTo>
+                  <a:pt x="1055887" y="4499017"/>
+                </a:lnTo>
+                <a:cubicBezTo>
+                  <a:pt x="1765060" y="4367798"/>
+                  <a:pt x="2298530" y="3800422"/>
+                  <a:pt x="2298530" y="3120378"/>
+                </a:cubicBezTo>
+                <a:cubicBezTo>
+                  <a:pt x="2298530" y="2338448"/>
+                  <a:pt x="1114459" y="708038"/>
+                  <a:pt x="742391" y="215098"/>
+                </a:cubicBezTo>
+                <a:cubicBezTo>
+                  <a:pt x="626171" y="369480"/>
+                  <a:pt x="430592" y="635244"/>
+                  <a:pt x="216604" y="951402"/>
+                </a:cubicBezTo>
+                <a:lnTo>
+                  <a:pt x="103690" y="1120845"/>
+                </a:lnTo>
+                <a:lnTo>
+                  <a:pt x="85727" y="1104757"/>
+                </a:lnTo>
+                <a:lnTo>
+                  <a:pt x="0" y="1039635"/>
+                </a:lnTo>
+                <a:lnTo>
+                  <a:pt x="54196" y="956933"/>
+                </a:lnTo>
+                <a:cubicBezTo>
+                  <a:pt x="418456" y="412227"/>
+                  <a:pt x="742242" y="0"/>
+                  <a:pt x="742242" y="0"/>
+                </a:cubicBezTo>
+                <a:cubicBezTo>
+                  <a:pt x="742242" y="0"/>
+                  <a:pt x="2433859" y="2147553"/>
+                  <a:pt x="2433859" y="3120378"/>
+                </a:cubicBezTo>
+                <a:cubicBezTo>
+                  <a:pt x="2433859" y="3912351"/>
+                  <a:pt x="1768207" y="4563746"/>
+                  <a:pt x="915199" y="4642077"/>
+                </a:cubicBezTo>
+                <a:close/>
+              </a:path>
+            </a:pathLst>
+          </a:custGeom>
+          <a:solidFill>
+            <a:srgbClr val="FF0000">
+              <a:alpha val="44000"/>
+            </a:srgbClr>
+          </a:solidFill>
+          <a:ln w="254000" cap="flat">
+            <a:solidFill>
+              <a:srgbClr val="E78383"/>
+            </a:solidFill>
+            <a:prstDash val="solid"/>
+            <a:miter/>
+          </a:ln>
+        </p:spPr>
+        <p:txBody>
+          <a:bodyPr rtlCol="0" anchor="ctr"/>
+          <a:lstStyle/>
+          <a:p>
+            <a:endParaRPr lang="en-CA"/>
+          </a:p>
+        </p:txBody>
+      </p:sp>
+      <p:grpSp>
+        <p:nvGrpSpPr>
+          <p:cNvPr id="27" name="Group 26">
+            <a:extLst>
+              <a:ext uri="{FF2B5EF4-FFF2-40B4-BE49-F238E27FC236}">
+                <a16:creationId xmlns:a16="http://schemas.microsoft.com/office/drawing/2014/main" id="{1CAB6D8C-FFEA-CFD1-5A17-D7CA4264C1BB}"/>
+              </a:ext>
+            </a:extLst>
+          </p:cNvPr>
+          <p:cNvGrpSpPr/>
+          <p:nvPr/>
+        </p:nvGrpSpPr>
+        <p:grpSpPr>
+          <a:xfrm>
+            <a:off x="4613541" y="1173681"/>
+            <a:ext cx="3217632" cy="3405132"/>
+            <a:chOff x="4590258" y="1472131"/>
+            <a:chExt cx="3217632" cy="3405132"/>
+          </a:xfrm>
+          <a:noFill/>
+        </p:grpSpPr>
+        <p:cxnSp>
+          <p:nvCxnSpPr>
+            <p:cNvPr id="8" name="Straight Connector 7">
+              <a:extLst>
+                <a:ext uri="{FF2B5EF4-FFF2-40B4-BE49-F238E27FC236}">
+                  <a16:creationId xmlns:a16="http://schemas.microsoft.com/office/drawing/2014/main" id="{57D9E6F5-7C2F-DD53-CDF1-61B22C84B3F3}"/>
+                </a:ext>
+              </a:extLst>
+            </p:cNvPr>
+            <p:cNvCxnSpPr>
+              <a:cxnSpLocks/>
+              <a:endCxn id="5" idx="0"/>
+            </p:cNvCxnSpPr>
+            <p:nvPr/>
+          </p:nvCxnSpPr>
+          <p:spPr>
+            <a:xfrm flipH="1">
+              <a:off x="6018832" y="2580167"/>
+              <a:ext cx="178423" cy="827568"/>
+            </a:xfrm>
+            <a:prstGeom prst="line">
+              <a:avLst/>
+            </a:prstGeom>
+            <a:grpFill/>
+            <a:ln w="317500">
+              <a:solidFill>
+                <a:srgbClr val="C00000"/>
+              </a:solidFill>
+            </a:ln>
+          </p:spPr>
+          <p:style>
+            <a:lnRef idx="2">
+              <a:schemeClr val="accent1"/>
+            </a:lnRef>
+            <a:fillRef idx="0">
+              <a:schemeClr val="accent1"/>
+            </a:fillRef>
+            <a:effectRef idx="1">
+              <a:schemeClr val="accent1"/>
+            </a:effectRef>
+            <a:fontRef idx="minor">
+              <a:schemeClr val="tx1"/>
+            </a:fontRef>
+          </p:style>
+        </p:cxnSp>
+        <p:cxnSp>
+          <p:nvCxnSpPr>
+            <p:cNvPr id="9" name="Straight Connector 8">
+              <a:extLst>
+                <a:ext uri="{FF2B5EF4-FFF2-40B4-BE49-F238E27FC236}">
+                  <a16:creationId xmlns:a16="http://schemas.microsoft.com/office/drawing/2014/main" id="{E961CE41-331B-4CEB-804D-9E53F8D7434F}"/>
+                </a:ext>
+              </a:extLst>
+            </p:cNvPr>
+            <p:cNvCxnSpPr>
+              <a:cxnSpLocks/>
+              <a:endCxn id="6" idx="1"/>
+            </p:cNvCxnSpPr>
+            <p:nvPr/>
+          </p:nvCxnSpPr>
+          <p:spPr>
+            <a:xfrm>
+              <a:off x="6097588" y="3835400"/>
+              <a:ext cx="435705" cy="642400"/>
+            </a:xfrm>
+            <a:prstGeom prst="line">
+              <a:avLst/>
+            </a:prstGeom>
+            <a:grpFill/>
+            <a:ln w="317500">
+              <a:solidFill>
+                <a:srgbClr val="C00000"/>
+              </a:solidFill>
+            </a:ln>
+          </p:spPr>
+          <p:style>
+            <a:lnRef idx="2">
+              <a:schemeClr val="accent1"/>
+            </a:lnRef>
+            <a:fillRef idx="0">
+              <a:schemeClr val="accent1"/>
+            </a:fillRef>
+            <a:effectRef idx="1">
+              <a:schemeClr val="accent1"/>
+            </a:effectRef>
+            <a:fontRef idx="minor">
+              <a:schemeClr val="tx1"/>
+            </a:fontRef>
+          </p:style>
+        </p:cxnSp>
+        <p:cxnSp>
+          <p:nvCxnSpPr>
+            <p:cNvPr id="10" name="Straight Connector 9">
+              <a:extLst>
+                <a:ext uri="{FF2B5EF4-FFF2-40B4-BE49-F238E27FC236}">
+                  <a16:creationId xmlns:a16="http://schemas.microsoft.com/office/drawing/2014/main" id="{5BEFE6B0-0A70-1241-5D00-544EA014E072}"/>
+                </a:ext>
+              </a:extLst>
+            </p:cNvPr>
+            <p:cNvCxnSpPr>
+              <a:cxnSpLocks/>
+              <a:endCxn id="5" idx="6"/>
+            </p:cNvCxnSpPr>
+            <p:nvPr/>
+          </p:nvCxnSpPr>
+          <p:spPr>
+            <a:xfrm flipH="1">
+              <a:off x="6288832" y="3429000"/>
+              <a:ext cx="649872" cy="248735"/>
+            </a:xfrm>
+            <a:prstGeom prst="line">
+              <a:avLst/>
+            </a:prstGeom>
+            <a:grpFill/>
+            <a:ln w="317500">
+              <a:solidFill>
+                <a:srgbClr val="C00000"/>
+              </a:solidFill>
+            </a:ln>
+          </p:spPr>
+          <p:style>
+            <a:lnRef idx="2">
+              <a:schemeClr val="accent1"/>
+            </a:lnRef>
+            <a:fillRef idx="0">
+              <a:schemeClr val="accent1"/>
+            </a:fillRef>
+            <a:effectRef idx="1">
+              <a:schemeClr val="accent1"/>
+            </a:effectRef>
+            <a:fontRef idx="minor">
+              <a:schemeClr val="tx1"/>
+            </a:fontRef>
+          </p:style>
+        </p:cxnSp>
+        <p:cxnSp>
+          <p:nvCxnSpPr>
+            <p:cNvPr id="2" name="Straight Connector 1">
+              <a:extLst>
+                <a:ext uri="{FF2B5EF4-FFF2-40B4-BE49-F238E27FC236}">
+                  <a16:creationId xmlns:a16="http://schemas.microsoft.com/office/drawing/2014/main" id="{8080D577-216F-7287-1F0A-2CA1AF6659F9}"/>
+                </a:ext>
+              </a:extLst>
+            </p:cNvPr>
+            <p:cNvCxnSpPr>
+              <a:cxnSpLocks/>
+              <a:endCxn id="3" idx="5"/>
+            </p:cNvCxnSpPr>
+            <p:nvPr/>
+          </p:nvCxnSpPr>
+          <p:spPr>
+            <a:xfrm flipH="1" flipV="1">
+              <a:off x="4989721" y="3175338"/>
+              <a:ext cx="688804" cy="391245"/>
+            </a:xfrm>
+            <a:prstGeom prst="line">
+              <a:avLst/>
+            </a:prstGeom>
+            <a:grpFill/>
+            <a:ln w="317500">
+              <a:solidFill>
+                <a:srgbClr val="C00000"/>
+              </a:solidFill>
+            </a:ln>
+          </p:spPr>
+          <p:style>
+            <a:lnRef idx="2">
+              <a:schemeClr val="accent1"/>
+            </a:lnRef>
+            <a:fillRef idx="0">
+              <a:schemeClr val="accent1"/>
+            </a:fillRef>
+            <a:effectRef idx="1">
+              <a:schemeClr val="accent1"/>
+            </a:effectRef>
+            <a:fontRef idx="minor">
+              <a:schemeClr val="tx1"/>
+            </a:fontRef>
+          </p:style>
+        </p:cxnSp>
+        <p:sp>
+          <p:nvSpPr>
+            <p:cNvPr id="4" name="Oval 3">
+              <a:extLst>
+                <a:ext uri="{FF2B5EF4-FFF2-40B4-BE49-F238E27FC236}">
+                  <a16:creationId xmlns:a16="http://schemas.microsoft.com/office/drawing/2014/main" id="{AD55367B-DCBB-23AF-DEE7-C47BF407F86C}"/>
+                </a:ext>
+              </a:extLst>
+            </p:cNvPr>
+            <p:cNvSpPr>
+              <a:spLocks noChangeAspect="1"/>
+            </p:cNvSpPr>
+            <p:nvPr/>
+          </p:nvSpPr>
+          <p:spPr>
+            <a:xfrm>
+              <a:off x="5782504" y="1472131"/>
+              <a:ext cx="1080000" cy="1080000"/>
+            </a:xfrm>
+            <a:prstGeom prst="ellipse">
+              <a:avLst/>
+            </a:prstGeom>
+            <a:grpFill/>
+            <a:ln w="317500">
+              <a:solidFill>
+                <a:srgbClr val="C00000"/>
+              </a:solidFill>
+            </a:ln>
+          </p:spPr>
+          <p:style>
+            <a:lnRef idx="2">
+              <a:schemeClr val="accent1">
+                <a:shade val="15000"/>
+              </a:schemeClr>
+            </a:lnRef>
+            <a:fillRef idx="1">
+              <a:schemeClr val="accent1"/>
+            </a:fillRef>
+            <a:effectRef idx="0">
+              <a:schemeClr val="accent1"/>
+            </a:effectRef>
+            <a:fontRef idx="minor">
+              <a:schemeClr val="lt1"/>
+            </a:fontRef>
+          </p:style>
+          <p:txBody>
+            <a:bodyPr rtlCol="0" anchor="ctr"/>
+            <a:lstStyle/>
+            <a:p>
+              <a:pPr algn="ctr"/>
+              <a:endParaRPr lang="en-CA"/>
+            </a:p>
+          </p:txBody>
+        </p:sp>
+        <p:sp>
+          <p:nvSpPr>
+            <p:cNvPr id="5" name="Oval 4">
+              <a:extLst>
+                <a:ext uri="{FF2B5EF4-FFF2-40B4-BE49-F238E27FC236}">
+                  <a16:creationId xmlns:a16="http://schemas.microsoft.com/office/drawing/2014/main" id="{745013C6-5C5C-B741-4F69-4FD842D93703}"/>
+                </a:ext>
+              </a:extLst>
+            </p:cNvPr>
+            <p:cNvSpPr>
+              <a:spLocks noChangeAspect="1"/>
+            </p:cNvSpPr>
+            <p:nvPr/>
+          </p:nvSpPr>
+          <p:spPr>
+            <a:xfrm>
+              <a:off x="5748832" y="3407735"/>
+              <a:ext cx="540000" cy="540000"/>
+            </a:xfrm>
+            <a:prstGeom prst="ellipse">
+              <a:avLst/>
+            </a:prstGeom>
+            <a:grpFill/>
+            <a:ln w="317500">
+              <a:solidFill>
+                <a:srgbClr val="C00000"/>
+              </a:solidFill>
+            </a:ln>
+          </p:spPr>
+          <p:style>
+            <a:lnRef idx="2">
+              <a:schemeClr val="accent1">
+                <a:shade val="15000"/>
+              </a:schemeClr>
+            </a:lnRef>
+            <a:fillRef idx="1">
+              <a:schemeClr val="accent1"/>
+            </a:fillRef>
+            <a:effectRef idx="0">
+              <a:schemeClr val="accent1"/>
+            </a:effectRef>
+            <a:fontRef idx="minor">
+              <a:schemeClr val="lt1"/>
+            </a:fontRef>
+          </p:style>
+          <p:txBody>
+            <a:bodyPr rtlCol="0" anchor="ctr"/>
+            <a:lstStyle/>
+            <a:p>
+              <a:pPr algn="ctr"/>
+              <a:endParaRPr lang="en-CA"/>
+            </a:p>
+          </p:txBody>
+        </p:sp>
+        <p:sp>
+          <p:nvSpPr>
+            <p:cNvPr id="6" name="Oval 5">
+              <a:extLst>
+                <a:ext uri="{FF2B5EF4-FFF2-40B4-BE49-F238E27FC236}">
+                  <a16:creationId xmlns:a16="http://schemas.microsoft.com/office/drawing/2014/main" id="{C625B72B-13D1-FD7C-7A39-5728AEB8CDBB}"/>
+                </a:ext>
+              </a:extLst>
+            </p:cNvPr>
+            <p:cNvSpPr>
+              <a:spLocks noChangeAspect="1"/>
+            </p:cNvSpPr>
+            <p:nvPr/>
+          </p:nvSpPr>
+          <p:spPr>
+            <a:xfrm>
+              <a:off x="6464756" y="4409263"/>
+              <a:ext cx="468000" cy="468000"/>
+            </a:xfrm>
+            <a:prstGeom prst="ellipse">
+              <a:avLst/>
+            </a:prstGeom>
+            <a:grpFill/>
+            <a:ln w="317500">
+              <a:solidFill>
+                <a:srgbClr val="C00000"/>
+              </a:solidFill>
+            </a:ln>
+          </p:spPr>
+          <p:style>
+            <a:lnRef idx="2">
+              <a:schemeClr val="accent1">
+                <a:shade val="15000"/>
+              </a:schemeClr>
+            </a:lnRef>
+            <a:fillRef idx="1">
+              <a:schemeClr val="accent1"/>
+            </a:fillRef>
+            <a:effectRef idx="0">
+              <a:schemeClr val="accent1"/>
+            </a:effectRef>
+            <a:fontRef idx="minor">
+              <a:schemeClr val="lt1"/>
+            </a:fontRef>
+          </p:style>
+          <p:txBody>
+            <a:bodyPr rtlCol="0" anchor="ctr"/>
+            <a:lstStyle/>
+            <a:p>
+              <a:pPr algn="ctr"/>
+              <a:endParaRPr lang="en-CA"/>
+            </a:p>
+          </p:txBody>
+        </p:sp>
+        <p:sp>
+          <p:nvSpPr>
+            <p:cNvPr id="7" name="Oval 6">
+              <a:extLst>
+                <a:ext uri="{FF2B5EF4-FFF2-40B4-BE49-F238E27FC236}">
+                  <a16:creationId xmlns:a16="http://schemas.microsoft.com/office/drawing/2014/main" id="{052AB4E1-7AE9-B4B9-81FC-B24DB54FD57A}"/>
+                </a:ext>
+              </a:extLst>
+            </p:cNvPr>
+            <p:cNvSpPr>
+              <a:spLocks noChangeAspect="1"/>
+            </p:cNvSpPr>
+            <p:nvPr/>
+          </p:nvSpPr>
+          <p:spPr>
+            <a:xfrm>
+              <a:off x="6943890" y="2836800"/>
+              <a:ext cx="864000" cy="864000"/>
+            </a:xfrm>
+            <a:prstGeom prst="ellipse">
+              <a:avLst/>
+            </a:prstGeom>
+            <a:grpFill/>
+            <a:ln w="317500">
+              <a:solidFill>
+                <a:srgbClr val="C00000"/>
+              </a:solidFill>
+            </a:ln>
+          </p:spPr>
+          <p:style>
+            <a:lnRef idx="2">
+              <a:schemeClr val="accent1">
+                <a:shade val="15000"/>
+              </a:schemeClr>
+            </a:lnRef>
+            <a:fillRef idx="1">
+              <a:schemeClr val="accent1"/>
+            </a:fillRef>
+            <a:effectRef idx="0">
+              <a:schemeClr val="accent1"/>
+            </a:effectRef>
+            <a:fontRef idx="minor">
+              <a:schemeClr val="lt1"/>
+            </a:fontRef>
+          </p:style>
+          <p:txBody>
+            <a:bodyPr rtlCol="0" anchor="ctr"/>
+            <a:lstStyle/>
+            <a:p>
+              <a:pPr algn="ctr"/>
+              <a:endParaRPr lang="en-CA"/>
+            </a:p>
+          </p:txBody>
+        </p:sp>
+        <p:sp>
+          <p:nvSpPr>
+            <p:cNvPr id="3" name="Oval 2">
+              <a:extLst>
+                <a:ext uri="{FF2B5EF4-FFF2-40B4-BE49-F238E27FC236}">
+                  <a16:creationId xmlns:a16="http://schemas.microsoft.com/office/drawing/2014/main" id="{6051A631-4B9F-38DD-BB09-58AA4917B519}"/>
+                </a:ext>
+              </a:extLst>
+            </p:cNvPr>
+            <p:cNvSpPr>
+              <a:spLocks noChangeAspect="1"/>
+            </p:cNvSpPr>
+            <p:nvPr/>
+          </p:nvSpPr>
+          <p:spPr>
+            <a:xfrm>
+              <a:off x="4590258" y="2775875"/>
+              <a:ext cx="468000" cy="468000"/>
+            </a:xfrm>
+            <a:prstGeom prst="ellipse">
+              <a:avLst/>
+            </a:prstGeom>
+            <a:grpFill/>
+            <a:ln w="317500">
+              <a:solidFill>
+                <a:srgbClr val="C00000"/>
+              </a:solidFill>
+            </a:ln>
+          </p:spPr>
+          <p:style>
+            <a:lnRef idx="2">
+              <a:schemeClr val="accent1">
+                <a:shade val="15000"/>
+              </a:schemeClr>
+            </a:lnRef>
+            <a:fillRef idx="1">
+              <a:schemeClr val="accent1"/>
+            </a:fillRef>
+            <a:effectRef idx="0">
+              <a:schemeClr val="accent1"/>
+            </a:effectRef>
+            <a:fontRef idx="minor">
+              <a:schemeClr val="lt1"/>
+            </a:fontRef>
+          </p:style>
+          <p:txBody>
+            <a:bodyPr rtlCol="0" anchor="ctr"/>
+            <a:lstStyle/>
+            <a:p>
+              <a:pPr algn="ctr"/>
+              <a:endParaRPr lang="en-CA"/>
+            </a:p>
+          </p:txBody>
+        </p:sp>
+      </p:grpSp>
+      <p:pic>
+        <p:nvPicPr>
+          <p:cNvPr id="11" name="Picture 10">
+            <a:extLst>
+              <a:ext uri="{FF2B5EF4-FFF2-40B4-BE49-F238E27FC236}">
+                <a16:creationId xmlns:a16="http://schemas.microsoft.com/office/drawing/2014/main" id="{7EC2BCA0-C025-591A-835F-8E5145248C78}"/>
+              </a:ext>
+            </a:extLst>
+          </p:cNvPr>
+          <p:cNvPicPr>
+            <a:picLocks noChangeAspect="1"/>
+          </p:cNvPicPr>
+          <p:nvPr/>
+        </p:nvPicPr>
+        <p:blipFill>
+          <a:blip r:embed="rId2"/>
+          <a:stretch>
+            <a:fillRect/>
+          </a:stretch>
+        </p:blipFill>
+        <p:spPr>
+          <a:xfrm>
+            <a:off x="8443027" y="1415472"/>
+            <a:ext cx="4109060" cy="5005250"/>
+          </a:xfrm>
+          <a:prstGeom prst="rect">
+            <a:avLst/>
+          </a:prstGeom>
+        </p:spPr>
+      </p:pic>
+    </p:spTree>
+    <p:extLst>
+      <p:ext uri="{BB962C8B-B14F-4D97-AF65-F5344CB8AC3E}">
+        <p14:creationId xmlns:p14="http://schemas.microsoft.com/office/powerpoint/2010/main" val="2510070098"/>
+      </p:ext>
+    </p:extLst>
+  </p:cSld>
+  <p:clrMapOvr>
+    <a:masterClrMapping/>
+  </p:clrMapOvr>
+</p:sld>
+</file>
+
+<file path=ppt/slides/slide11.xml><?xml version="1.0" encoding="utf-8"?>
+<p:sld xmlns:a="http://schemas.openxmlformats.org/drawingml/2006/main" xmlns:r="http://schemas.openxmlformats.org/officeDocument/2006/relationships" xmlns:p="http://schemas.openxmlformats.org/presentationml/2006/main">
+  <p:cSld>
+    <p:spTree>
+      <p:nvGrpSpPr>
+        <p:cNvPr id="1" name=""/>
+        <p:cNvGrpSpPr/>
+        <p:nvPr/>
+      </p:nvGrpSpPr>
+      <p:grpSpPr>
+        <a:xfrm>
+          <a:off x="0" y="0"/>
+          <a:ext cx="0" cy="0"/>
+          <a:chOff x="0" y="0"/>
+          <a:chExt cx="0" cy="0"/>
+        </a:xfrm>
+      </p:grpSpPr>
+      <p:pic>
+        <p:nvPicPr>
+          <p:cNvPr id="4" name="Picture 3">
+            <a:extLst>
+              <a:ext uri="{FF2B5EF4-FFF2-40B4-BE49-F238E27FC236}">
+                <a16:creationId xmlns:a16="http://schemas.microsoft.com/office/drawing/2014/main" id="{7D4311A5-BAE8-90A8-6851-1F352EEF607C}"/>
+              </a:ext>
+            </a:extLst>
+          </p:cNvPr>
+          <p:cNvPicPr>
+            <a:picLocks noChangeAspect="1"/>
+          </p:cNvPicPr>
+          <p:nvPr/>
+        </p:nvPicPr>
+        <p:blipFill>
+          <a:blip r:embed="rId2">
+            <a:duotone>
+              <a:prstClr val="black"/>
+              <a:srgbClr val="C00000">
+                <a:tint val="45000"/>
+                <a:satMod val="400000"/>
+              </a:srgbClr>
+            </a:duotone>
+          </a:blip>
+          <a:stretch>
+            <a:fillRect/>
+          </a:stretch>
+        </p:blipFill>
+        <p:spPr>
+          <a:xfrm>
+            <a:off x="4044518" y="926375"/>
+            <a:ext cx="4102964" cy="5005250"/>
+          </a:xfrm>
+          <a:prstGeom prst="rect">
+            <a:avLst/>
+          </a:prstGeom>
+        </p:spPr>
+      </p:pic>
+    </p:spTree>
+    <p:extLst>
+      <p:ext uri="{BB962C8B-B14F-4D97-AF65-F5344CB8AC3E}">
+        <p14:creationId xmlns:p14="http://schemas.microsoft.com/office/powerpoint/2010/main" val="3676510213"/>
+      </p:ext>
+    </p:extLst>
+  </p:cSld>
+  <p:clrMapOvr>
+    <a:masterClrMapping/>
+  </p:clrMapOvr>
+</p:sld>
+</file>
+
+<file path=ppt/slides/slide12.xml><?xml version="1.0" encoding="utf-8"?>
+<p:sld xmlns:a="http://schemas.openxmlformats.org/drawingml/2006/main" xmlns:r="http://schemas.openxmlformats.org/officeDocument/2006/relationships" xmlns:p="http://schemas.openxmlformats.org/presentationml/2006/main">
+  <p:cSld>
+    <p:bg>
+      <p:bgPr>
+        <a:solidFill>
+          <a:schemeClr val="accent1">
+            <a:lumMod val="50000"/>
+          </a:schemeClr>
+        </a:solidFill>
+        <a:effectLst/>
+      </p:bgPr>
+    </p:bg>
+    <p:spTree>
+      <p:nvGrpSpPr>
+        <p:cNvPr id="1" name=""/>
+        <p:cNvGrpSpPr/>
+        <p:nvPr/>
+      </p:nvGrpSpPr>
+      <p:grpSpPr>
+        <a:xfrm>
+          <a:off x="0" y="0"/>
+          <a:ext cx="0" cy="0"/>
+          <a:chOff x="0" y="0"/>
+          <a:chExt cx="0" cy="0"/>
+        </a:xfrm>
+      </p:grpSpPr>
+      <p:grpSp>
+        <p:nvGrpSpPr>
+          <p:cNvPr id="11" name="Group 10">
+            <a:extLst>
+              <a:ext uri="{FF2B5EF4-FFF2-40B4-BE49-F238E27FC236}">
+                <a16:creationId xmlns:a16="http://schemas.microsoft.com/office/drawing/2014/main" id="{EBEA597A-F1EB-F40D-C62D-5A72062AB23A}"/>
+              </a:ext>
+            </a:extLst>
+          </p:cNvPr>
+          <p:cNvGrpSpPr/>
+          <p:nvPr/>
+        </p:nvGrpSpPr>
+        <p:grpSpPr>
+          <a:xfrm>
+            <a:off x="4016821" y="1173681"/>
+            <a:ext cx="3814352" cy="4723401"/>
+            <a:chOff x="4016821" y="1173681"/>
+            <a:chExt cx="3814352" cy="4723401"/>
+          </a:xfrm>
+        </p:grpSpPr>
+        <p:sp>
+          <p:nvSpPr>
+            <p:cNvPr id="29" name="Freeform: Shape 28" descr="Water outline">
+              <a:extLst>
+                <a:ext uri="{FF2B5EF4-FFF2-40B4-BE49-F238E27FC236}">
+                  <a16:creationId xmlns:a16="http://schemas.microsoft.com/office/drawing/2014/main" id="{972EAAE7-CB05-50CC-B85A-F6B08BEEEAA5}"/>
+                </a:ext>
+              </a:extLst>
+            </p:cNvPr>
+            <p:cNvSpPr/>
+            <p:nvPr/>
+          </p:nvSpPr>
+          <p:spPr>
+            <a:xfrm rot="10800000">
+              <a:off x="4016821" y="1252975"/>
+              <a:ext cx="2400911" cy="4644107"/>
+            </a:xfrm>
+            <a:custGeom>
+              <a:avLst/>
+              <a:gdLst>
+                <a:gd name="connsiteX0" fmla="*/ 870727 w 2433859"/>
+                <a:gd name="connsiteY0" fmla="*/ 4644107 h 4644107"/>
+                <a:gd name="connsiteX1" fmla="*/ 924441 w 2433859"/>
+                <a:gd name="connsiteY1" fmla="*/ 4569178 h 4644107"/>
+                <a:gd name="connsiteX2" fmla="*/ 955569 w 2433859"/>
+                <a:gd name="connsiteY2" fmla="*/ 4512861 h 4644107"/>
+                <a:gd name="connsiteX3" fmla="*/ 1055887 w 2433859"/>
+                <a:gd name="connsiteY3" fmla="*/ 4499017 h 4644107"/>
+                <a:gd name="connsiteX4" fmla="*/ 2298530 w 2433859"/>
+                <a:gd name="connsiteY4" fmla="*/ 3120378 h 4644107"/>
+                <a:gd name="connsiteX5" fmla="*/ 742391 w 2433859"/>
+                <a:gd name="connsiteY5" fmla="*/ 215098 h 4644107"/>
+                <a:gd name="connsiteX6" fmla="*/ 216604 w 2433859"/>
+                <a:gd name="connsiteY6" fmla="*/ 951402 h 4644107"/>
+                <a:gd name="connsiteX7" fmla="*/ 103690 w 2433859"/>
+                <a:gd name="connsiteY7" fmla="*/ 1120845 h 4644107"/>
+                <a:gd name="connsiteX8" fmla="*/ 85727 w 2433859"/>
+                <a:gd name="connsiteY8" fmla="*/ 1104757 h 4644107"/>
+                <a:gd name="connsiteX9" fmla="*/ 0 w 2433859"/>
+                <a:gd name="connsiteY9" fmla="*/ 1039635 h 4644107"/>
+                <a:gd name="connsiteX10" fmla="*/ 54196 w 2433859"/>
+                <a:gd name="connsiteY10" fmla="*/ 956933 h 4644107"/>
+                <a:gd name="connsiteX11" fmla="*/ 742242 w 2433859"/>
+                <a:gd name="connsiteY11" fmla="*/ 0 h 4644107"/>
+                <a:gd name="connsiteX12" fmla="*/ 2433859 w 2433859"/>
+                <a:gd name="connsiteY12" fmla="*/ 3120378 h 4644107"/>
+                <a:gd name="connsiteX13" fmla="*/ 915199 w 2433859"/>
+                <a:gd name="connsiteY13" fmla="*/ 4642077 h 4644107"/>
+              </a:gdLst>
+              <a:ahLst/>
+              <a:cxnLst>
+                <a:cxn ang="0">
+                  <a:pos x="connsiteX0" y="connsiteY0"/>
+                </a:cxn>
+                <a:cxn ang="0">
+                  <a:pos x="connsiteX1" y="connsiteY1"/>
+                </a:cxn>
+                <a:cxn ang="0">
+                  <a:pos x="connsiteX2" y="connsiteY2"/>
+                </a:cxn>
+                <a:cxn ang="0">
+                  <a:pos x="connsiteX3" y="connsiteY3"/>
+                </a:cxn>
+                <a:cxn ang="0">
+                  <a:pos x="connsiteX4" y="connsiteY4"/>
+                </a:cxn>
+                <a:cxn ang="0">
+                  <a:pos x="connsiteX5" y="connsiteY5"/>
+                </a:cxn>
+                <a:cxn ang="0">
+                  <a:pos x="connsiteX6" y="connsiteY6"/>
+                </a:cxn>
+                <a:cxn ang="0">
+                  <a:pos x="connsiteX7" y="connsiteY7"/>
+                </a:cxn>
+                <a:cxn ang="0">
+                  <a:pos x="connsiteX8" y="connsiteY8"/>
+                </a:cxn>
+                <a:cxn ang="0">
+                  <a:pos x="connsiteX9" y="connsiteY9"/>
+                </a:cxn>
+                <a:cxn ang="0">
+                  <a:pos x="connsiteX10" y="connsiteY10"/>
+                </a:cxn>
+                <a:cxn ang="0">
+                  <a:pos x="connsiteX11" y="connsiteY11"/>
+                </a:cxn>
+                <a:cxn ang="0">
+                  <a:pos x="connsiteX12" y="connsiteY12"/>
+                </a:cxn>
+                <a:cxn ang="0">
+                  <a:pos x="connsiteX13" y="connsiteY13"/>
+                </a:cxn>
+              </a:cxnLst>
+              <a:rect l="l" t="t" r="r" b="b"/>
+              <a:pathLst>
+                <a:path w="2433859" h="4644107">
+                  <a:moveTo>
+                    <a:pt x="870727" y="4644107"/>
+                  </a:moveTo>
+                  <a:lnTo>
+                    <a:pt x="924441" y="4569178"/>
+                  </a:lnTo>
+                  <a:lnTo>
+                    <a:pt x="955569" y="4512861"/>
+                  </a:lnTo>
+                  <a:lnTo>
+                    <a:pt x="1055887" y="4499017"/>
+                  </a:lnTo>
+                  <a:cubicBezTo>
+                    <a:pt x="1765060" y="4367798"/>
+                    <a:pt x="2298530" y="3800422"/>
+                    <a:pt x="2298530" y="3120378"/>
+                  </a:cubicBezTo>
+                  <a:cubicBezTo>
+                    <a:pt x="2298530" y="2338448"/>
+                    <a:pt x="1114459" y="708038"/>
+                    <a:pt x="742391" y="215098"/>
+                  </a:cubicBezTo>
+                  <a:cubicBezTo>
+                    <a:pt x="626171" y="369480"/>
+                    <a:pt x="430592" y="635244"/>
+                    <a:pt x="216604" y="951402"/>
+                  </a:cubicBezTo>
+                  <a:lnTo>
+                    <a:pt x="103690" y="1120845"/>
+                  </a:lnTo>
+                  <a:lnTo>
+                    <a:pt x="85727" y="1104757"/>
+                  </a:lnTo>
+                  <a:lnTo>
+                    <a:pt x="0" y="1039635"/>
+                  </a:lnTo>
+                  <a:lnTo>
+                    <a:pt x="54196" y="956933"/>
+                  </a:lnTo>
+                  <a:cubicBezTo>
+                    <a:pt x="418456" y="412227"/>
+                    <a:pt x="742242" y="0"/>
+                    <a:pt x="742242" y="0"/>
+                  </a:cubicBezTo>
+                  <a:cubicBezTo>
+                    <a:pt x="742242" y="0"/>
+                    <a:pt x="2433859" y="2147553"/>
+                    <a:pt x="2433859" y="3120378"/>
+                  </a:cubicBezTo>
+                  <a:cubicBezTo>
+                    <a:pt x="2433859" y="3912351"/>
+                    <a:pt x="1768207" y="4563746"/>
+                    <a:pt x="915199" y="4642077"/>
+                  </a:cubicBezTo>
+                  <a:close/>
+                </a:path>
+              </a:pathLst>
+            </a:custGeom>
+            <a:noFill/>
+            <a:ln w="254000" cap="flat">
+              <a:solidFill>
+                <a:srgbClr val="FF0000">
+                  <a:alpha val="70000"/>
+                </a:srgbClr>
+              </a:solidFill>
+              <a:prstDash val="solid"/>
+              <a:miter/>
+            </a:ln>
+          </p:spPr>
+          <p:txBody>
+            <a:bodyPr rtlCol="0" anchor="ctr"/>
+            <a:lstStyle/>
+            <a:p>
+              <a:endParaRPr lang="en-CA"/>
+            </a:p>
+          </p:txBody>
+        </p:sp>
+        <p:grpSp>
+          <p:nvGrpSpPr>
+            <p:cNvPr id="27" name="Group 26">
+              <a:extLst>
+                <a:ext uri="{FF2B5EF4-FFF2-40B4-BE49-F238E27FC236}">
+                  <a16:creationId xmlns:a16="http://schemas.microsoft.com/office/drawing/2014/main" id="{1CAB6D8C-FFEA-CFD1-5A17-D7CA4264C1BB}"/>
+                </a:ext>
+              </a:extLst>
+            </p:cNvPr>
+            <p:cNvGrpSpPr/>
+            <p:nvPr/>
+          </p:nvGrpSpPr>
+          <p:grpSpPr>
+            <a:xfrm>
+              <a:off x="4613541" y="1173681"/>
+              <a:ext cx="3217632" cy="3405132"/>
+              <a:chOff x="4590258" y="1472131"/>
+              <a:chExt cx="3217632" cy="3405132"/>
+            </a:xfrm>
+          </p:grpSpPr>
+          <p:cxnSp>
+            <p:nvCxnSpPr>
+              <p:cNvPr id="8" name="Straight Connector 7">
+                <a:extLst>
+                  <a:ext uri="{FF2B5EF4-FFF2-40B4-BE49-F238E27FC236}">
+                    <a16:creationId xmlns:a16="http://schemas.microsoft.com/office/drawing/2014/main" id="{57D9E6F5-7C2F-DD53-CDF1-61B22C84B3F3}"/>
+                  </a:ext>
+                </a:extLst>
+              </p:cNvPr>
+              <p:cNvCxnSpPr>
+                <a:cxnSpLocks/>
+                <a:endCxn id="5" idx="0"/>
+              </p:cNvCxnSpPr>
+              <p:nvPr/>
+            </p:nvCxnSpPr>
+            <p:spPr>
+              <a:xfrm flipH="1">
+                <a:off x="6018832" y="2580167"/>
+                <a:ext cx="178423" cy="827568"/>
+              </a:xfrm>
+              <a:prstGeom prst="line">
+                <a:avLst/>
+              </a:prstGeom>
+              <a:ln w="317500">
+                <a:solidFill>
+                  <a:schemeClr val="bg1">
+                    <a:lumMod val="95000"/>
+                  </a:schemeClr>
+                </a:solidFill>
+              </a:ln>
+            </p:spPr>
+            <p:style>
+              <a:lnRef idx="2">
+                <a:schemeClr val="accent1"/>
+              </a:lnRef>
+              <a:fillRef idx="0">
+                <a:schemeClr val="accent1"/>
+              </a:fillRef>
+              <a:effectRef idx="1">
+                <a:schemeClr val="accent1"/>
+              </a:effectRef>
+              <a:fontRef idx="minor">
+                <a:schemeClr val="tx1"/>
+              </a:fontRef>
+            </p:style>
+          </p:cxnSp>
+          <p:cxnSp>
+            <p:nvCxnSpPr>
+              <p:cNvPr id="9" name="Straight Connector 8">
+                <a:extLst>
+                  <a:ext uri="{FF2B5EF4-FFF2-40B4-BE49-F238E27FC236}">
+                    <a16:creationId xmlns:a16="http://schemas.microsoft.com/office/drawing/2014/main" id="{E961CE41-331B-4CEB-804D-9E53F8D7434F}"/>
+                  </a:ext>
+                </a:extLst>
+              </p:cNvPr>
+              <p:cNvCxnSpPr>
+                <a:cxnSpLocks/>
+                <a:endCxn id="6" idx="1"/>
+              </p:cNvCxnSpPr>
+              <p:nvPr/>
+            </p:nvCxnSpPr>
+            <p:spPr>
+              <a:xfrm>
+                <a:off x="6097588" y="3835400"/>
+                <a:ext cx="435705" cy="642400"/>
+              </a:xfrm>
+              <a:prstGeom prst="line">
+                <a:avLst/>
+              </a:prstGeom>
+              <a:ln w="317500">
+                <a:solidFill>
+                  <a:schemeClr val="bg1">
+                    <a:lumMod val="95000"/>
+                  </a:schemeClr>
+                </a:solidFill>
+              </a:ln>
+            </p:spPr>
+            <p:style>
+              <a:lnRef idx="2">
+                <a:schemeClr val="accent1"/>
+              </a:lnRef>
+              <a:fillRef idx="0">
+                <a:schemeClr val="accent1"/>
+              </a:fillRef>
+              <a:effectRef idx="1">
+                <a:schemeClr val="accent1"/>
+              </a:effectRef>
+              <a:fontRef idx="minor">
+                <a:schemeClr val="tx1"/>
+              </a:fontRef>
+            </p:style>
+          </p:cxnSp>
+          <p:cxnSp>
+            <p:nvCxnSpPr>
+              <p:cNvPr id="10" name="Straight Connector 9">
+                <a:extLst>
+                  <a:ext uri="{FF2B5EF4-FFF2-40B4-BE49-F238E27FC236}">
+                    <a16:creationId xmlns:a16="http://schemas.microsoft.com/office/drawing/2014/main" id="{5BEFE6B0-0A70-1241-5D00-544EA014E072}"/>
+                  </a:ext>
+                </a:extLst>
+              </p:cNvPr>
+              <p:cNvCxnSpPr>
+                <a:cxnSpLocks/>
+                <a:endCxn id="5" idx="6"/>
+              </p:cNvCxnSpPr>
+              <p:nvPr/>
+            </p:nvCxnSpPr>
+            <p:spPr>
+              <a:xfrm flipH="1">
+                <a:off x="6288832" y="3429000"/>
+                <a:ext cx="649872" cy="248735"/>
+              </a:xfrm>
+              <a:prstGeom prst="line">
+                <a:avLst/>
+              </a:prstGeom>
+              <a:ln w="317500">
+                <a:solidFill>
+                  <a:schemeClr val="bg1">
+                    <a:lumMod val="95000"/>
+                  </a:schemeClr>
+                </a:solidFill>
+              </a:ln>
+            </p:spPr>
+            <p:style>
+              <a:lnRef idx="2">
+                <a:schemeClr val="accent1"/>
+              </a:lnRef>
+              <a:fillRef idx="0">
+                <a:schemeClr val="accent1"/>
+              </a:fillRef>
+              <a:effectRef idx="1">
+                <a:schemeClr val="accent1"/>
+              </a:effectRef>
+              <a:fontRef idx="minor">
+                <a:schemeClr val="tx1"/>
+              </a:fontRef>
+            </p:style>
+          </p:cxnSp>
+          <p:cxnSp>
+            <p:nvCxnSpPr>
+              <p:cNvPr id="2" name="Straight Connector 1">
+                <a:extLst>
+                  <a:ext uri="{FF2B5EF4-FFF2-40B4-BE49-F238E27FC236}">
+                    <a16:creationId xmlns:a16="http://schemas.microsoft.com/office/drawing/2014/main" id="{8080D577-216F-7287-1F0A-2CA1AF6659F9}"/>
+                  </a:ext>
+                </a:extLst>
+              </p:cNvPr>
+              <p:cNvCxnSpPr>
+                <a:cxnSpLocks/>
+                <a:endCxn id="3" idx="5"/>
+              </p:cNvCxnSpPr>
+              <p:nvPr/>
+            </p:nvCxnSpPr>
+            <p:spPr>
+              <a:xfrm flipH="1" flipV="1">
+                <a:off x="4989721" y="3175338"/>
+                <a:ext cx="688804" cy="391245"/>
+              </a:xfrm>
+              <a:prstGeom prst="line">
+                <a:avLst/>
+              </a:prstGeom>
+              <a:ln w="317500">
+                <a:solidFill>
+                  <a:schemeClr val="bg1">
+                    <a:lumMod val="95000"/>
+                  </a:schemeClr>
+                </a:solidFill>
+              </a:ln>
+            </p:spPr>
+            <p:style>
+              <a:lnRef idx="2">
+                <a:schemeClr val="accent1"/>
+              </a:lnRef>
+              <a:fillRef idx="0">
+                <a:schemeClr val="accent1"/>
+              </a:fillRef>
+              <a:effectRef idx="1">
+                <a:schemeClr val="accent1"/>
+              </a:effectRef>
+              <a:fontRef idx="minor">
+                <a:schemeClr val="tx1"/>
+              </a:fontRef>
+            </p:style>
+          </p:cxnSp>
+          <p:sp>
+            <p:nvSpPr>
+              <p:cNvPr id="4" name="Oval 3">
+                <a:extLst>
+                  <a:ext uri="{FF2B5EF4-FFF2-40B4-BE49-F238E27FC236}">
+                    <a16:creationId xmlns:a16="http://schemas.microsoft.com/office/drawing/2014/main" id="{AD55367B-DCBB-23AF-DEE7-C47BF407F86C}"/>
+                  </a:ext>
+                </a:extLst>
+              </p:cNvPr>
+              <p:cNvSpPr>
+                <a:spLocks noChangeAspect="1"/>
+              </p:cNvSpPr>
+              <p:nvPr/>
+            </p:nvSpPr>
+            <p:spPr>
+              <a:xfrm>
+                <a:off x="5782504" y="1472131"/>
+                <a:ext cx="1080000" cy="1080000"/>
+              </a:xfrm>
+              <a:prstGeom prst="ellipse">
+                <a:avLst/>
+              </a:prstGeom>
+              <a:noFill/>
+              <a:ln w="317500">
+                <a:solidFill>
+                  <a:schemeClr val="bg1">
+                    <a:lumMod val="95000"/>
+                  </a:schemeClr>
+                </a:solidFill>
+              </a:ln>
+            </p:spPr>
+            <p:style>
+              <a:lnRef idx="2">
+                <a:schemeClr val="accent1">
+                  <a:shade val="15000"/>
+                </a:schemeClr>
+              </a:lnRef>
+              <a:fillRef idx="1">
+                <a:schemeClr val="accent1"/>
+              </a:fillRef>
+              <a:effectRef idx="0">
+                <a:schemeClr val="accent1"/>
+              </a:effectRef>
+              <a:fontRef idx="minor">
+                <a:schemeClr val="lt1"/>
+              </a:fontRef>
+            </p:style>
+            <p:txBody>
+              <a:bodyPr rtlCol="0" anchor="ctr"/>
+              <a:lstStyle/>
+              <a:p>
+                <a:pPr algn="ctr"/>
+                <a:endParaRPr lang="en-CA"/>
+              </a:p>
+            </p:txBody>
+          </p:sp>
+          <p:sp>
+            <p:nvSpPr>
+              <p:cNvPr id="5" name="Oval 4">
+                <a:extLst>
+                  <a:ext uri="{FF2B5EF4-FFF2-40B4-BE49-F238E27FC236}">
+                    <a16:creationId xmlns:a16="http://schemas.microsoft.com/office/drawing/2014/main" id="{745013C6-5C5C-B741-4F69-4FD842D93703}"/>
+                  </a:ext>
+                </a:extLst>
+              </p:cNvPr>
+              <p:cNvSpPr>
+                <a:spLocks noChangeAspect="1"/>
+              </p:cNvSpPr>
+              <p:nvPr/>
+            </p:nvSpPr>
+            <p:spPr>
+              <a:xfrm>
+                <a:off x="5748832" y="3407735"/>
+                <a:ext cx="540000" cy="540000"/>
+              </a:xfrm>
+              <a:prstGeom prst="ellipse">
+                <a:avLst/>
+              </a:prstGeom>
+              <a:noFill/>
+              <a:ln w="317500">
+                <a:solidFill>
+                  <a:schemeClr val="bg1">
+                    <a:lumMod val="95000"/>
+                  </a:schemeClr>
+                </a:solidFill>
+              </a:ln>
+            </p:spPr>
+            <p:style>
+              <a:lnRef idx="2">
+                <a:schemeClr val="accent1">
+                  <a:shade val="15000"/>
+                </a:schemeClr>
+              </a:lnRef>
+              <a:fillRef idx="1">
+                <a:schemeClr val="accent1"/>
+              </a:fillRef>
+              <a:effectRef idx="0">
+                <a:schemeClr val="accent1"/>
+              </a:effectRef>
+              <a:fontRef idx="minor">
+                <a:schemeClr val="lt1"/>
+              </a:fontRef>
+            </p:style>
+            <p:txBody>
+              <a:bodyPr rtlCol="0" anchor="ctr"/>
+              <a:lstStyle/>
+              <a:p>
+                <a:pPr algn="ctr"/>
+                <a:endParaRPr lang="en-CA"/>
+              </a:p>
+            </p:txBody>
+          </p:sp>
+          <p:sp>
+            <p:nvSpPr>
+              <p:cNvPr id="6" name="Oval 5">
+                <a:extLst>
+                  <a:ext uri="{FF2B5EF4-FFF2-40B4-BE49-F238E27FC236}">
+                    <a16:creationId xmlns:a16="http://schemas.microsoft.com/office/drawing/2014/main" id="{C625B72B-13D1-FD7C-7A39-5728AEB8CDBB}"/>
+                  </a:ext>
+                </a:extLst>
+              </p:cNvPr>
+              <p:cNvSpPr>
+                <a:spLocks noChangeAspect="1"/>
+              </p:cNvSpPr>
+              <p:nvPr/>
+            </p:nvSpPr>
+            <p:spPr>
+              <a:xfrm>
+                <a:off x="6464756" y="4409263"/>
+                <a:ext cx="468000" cy="468000"/>
+              </a:xfrm>
+              <a:prstGeom prst="ellipse">
+                <a:avLst/>
+              </a:prstGeom>
+              <a:noFill/>
+              <a:ln w="317500">
+                <a:solidFill>
+                  <a:schemeClr val="bg1">
+                    <a:lumMod val="95000"/>
+                  </a:schemeClr>
+                </a:solidFill>
+              </a:ln>
+            </p:spPr>
+            <p:style>
+              <a:lnRef idx="2">
+                <a:schemeClr val="accent1">
+                  <a:shade val="15000"/>
+                </a:schemeClr>
+              </a:lnRef>
+              <a:fillRef idx="1">
+                <a:schemeClr val="accent1"/>
+              </a:fillRef>
+              <a:effectRef idx="0">
+                <a:schemeClr val="accent1"/>
+              </a:effectRef>
+              <a:fontRef idx="minor">
+                <a:schemeClr val="lt1"/>
+              </a:fontRef>
+            </p:style>
+            <p:txBody>
+              <a:bodyPr rtlCol="0" anchor="ctr"/>
+              <a:lstStyle/>
+              <a:p>
+                <a:pPr algn="ctr"/>
+                <a:endParaRPr lang="en-CA"/>
+              </a:p>
+            </p:txBody>
+          </p:sp>
+          <p:sp>
+            <p:nvSpPr>
+              <p:cNvPr id="7" name="Oval 6">
+                <a:extLst>
+                  <a:ext uri="{FF2B5EF4-FFF2-40B4-BE49-F238E27FC236}">
+                    <a16:creationId xmlns:a16="http://schemas.microsoft.com/office/drawing/2014/main" id="{052AB4E1-7AE9-B4B9-81FC-B24DB54FD57A}"/>
+                  </a:ext>
+                </a:extLst>
+              </p:cNvPr>
+              <p:cNvSpPr>
+                <a:spLocks noChangeAspect="1"/>
+              </p:cNvSpPr>
+              <p:nvPr/>
+            </p:nvSpPr>
+            <p:spPr>
+              <a:xfrm>
+                <a:off x="6943890" y="2836800"/>
+                <a:ext cx="864000" cy="864000"/>
+              </a:xfrm>
+              <a:prstGeom prst="ellipse">
+                <a:avLst/>
+              </a:prstGeom>
+              <a:noFill/>
+              <a:ln w="317500">
+                <a:solidFill>
+                  <a:schemeClr val="bg1">
+                    <a:lumMod val="95000"/>
+                  </a:schemeClr>
+                </a:solidFill>
+              </a:ln>
+            </p:spPr>
+            <p:style>
+              <a:lnRef idx="2">
+                <a:schemeClr val="accent1">
+                  <a:shade val="15000"/>
+                </a:schemeClr>
+              </a:lnRef>
+              <a:fillRef idx="1">
+                <a:schemeClr val="accent1"/>
+              </a:fillRef>
+              <a:effectRef idx="0">
+                <a:schemeClr val="accent1"/>
+              </a:effectRef>
+              <a:fontRef idx="minor">
+                <a:schemeClr val="lt1"/>
+              </a:fontRef>
+            </p:style>
+            <p:txBody>
+              <a:bodyPr rtlCol="0" anchor="ctr"/>
+              <a:lstStyle/>
+              <a:p>
+                <a:pPr algn="ctr"/>
+                <a:endParaRPr lang="en-CA"/>
+              </a:p>
+            </p:txBody>
+          </p:sp>
+          <p:sp>
+            <p:nvSpPr>
+              <p:cNvPr id="3" name="Oval 2">
+                <a:extLst>
+                  <a:ext uri="{FF2B5EF4-FFF2-40B4-BE49-F238E27FC236}">
+                    <a16:creationId xmlns:a16="http://schemas.microsoft.com/office/drawing/2014/main" id="{6051A631-4B9F-38DD-BB09-58AA4917B519}"/>
+                  </a:ext>
+                </a:extLst>
+              </p:cNvPr>
+              <p:cNvSpPr>
+                <a:spLocks noChangeAspect="1"/>
+              </p:cNvSpPr>
+              <p:nvPr/>
+            </p:nvSpPr>
+            <p:spPr>
+              <a:xfrm>
+                <a:off x="4590258" y="2775875"/>
+                <a:ext cx="468000" cy="468000"/>
+              </a:xfrm>
+              <a:prstGeom prst="ellipse">
+                <a:avLst/>
+              </a:prstGeom>
+              <a:solidFill>
+                <a:schemeClr val="bg1">
+                  <a:lumMod val="95000"/>
+                </a:schemeClr>
+              </a:solidFill>
+              <a:ln w="317500">
+                <a:solidFill>
+                  <a:schemeClr val="bg1">
+                    <a:lumMod val="95000"/>
+                  </a:schemeClr>
+                </a:solidFill>
+              </a:ln>
+            </p:spPr>
+            <p:style>
+              <a:lnRef idx="2">
+                <a:schemeClr val="accent1">
+                  <a:shade val="15000"/>
+                </a:schemeClr>
+              </a:lnRef>
+              <a:fillRef idx="1">
+                <a:schemeClr val="accent1"/>
+              </a:fillRef>
+              <a:effectRef idx="0">
+                <a:schemeClr val="accent1"/>
+              </a:effectRef>
+              <a:fontRef idx="minor">
+                <a:schemeClr val="lt1"/>
+              </a:fontRef>
+            </p:style>
+            <p:txBody>
+              <a:bodyPr rtlCol="0" anchor="ctr"/>
+              <a:lstStyle/>
+              <a:p>
+                <a:pPr algn="ctr"/>
+                <a:endParaRPr lang="en-CA"/>
+              </a:p>
+            </p:txBody>
+          </p:sp>
+        </p:grpSp>
+      </p:grpSp>
+    </p:spTree>
+    <p:extLst>
+      <p:ext uri="{BB962C8B-B14F-4D97-AF65-F5344CB8AC3E}">
+        <p14:creationId xmlns:p14="http://schemas.microsoft.com/office/powerpoint/2010/main" val="1557173972"/>
       </p:ext>
     </p:extLst>
   </p:cSld>

--- a/Pandecta Logo.pptx
+++ b/Pandecta Logo.pptx
@@ -17,6 +17,7 @@
     <p:sldId id="265" r:id="rId11"/>
     <p:sldId id="266" r:id="rId12"/>
     <p:sldId id="267" r:id="rId13"/>
+    <p:sldId id="268" r:id="rId14"/>
   </p:sldIdLst>
   <p:sldSz cx="12192000" cy="6858000"/>
   <p:notesSz cx="6858000" cy="9144000"/>
@@ -126,7 +127,7 @@
 <file path=ppt/revisionInfo.xml><?xml version="1.0" encoding="utf-8"?>
 <p1510:revInfo xmlns:a="http://schemas.openxmlformats.org/drawingml/2006/main" xmlns:r="http://schemas.openxmlformats.org/officeDocument/2006/relationships" xmlns:p1510="http://schemas.microsoft.com/office/powerpoint/2015/10/main">
   <p1510:revLst>
-    <p1510:client id="{EAA9CB8D-51A7-4023-9954-B5D3A58F8F16}" v="14" dt="2024-06-18T14:22:52.737"/>
+    <p1510:client id="{6A840418-5776-4DD4-9C11-E05205A70FA4}" v="7" dt="2024-11-22T15:44:48.347"/>
   </p1510:revLst>
 </p1510:revInfo>
 </file>
@@ -392,6 +393,76 @@
             <ac:cxnSpMk id="10" creationId="{5BEFE6B0-0A70-1241-5D00-544EA014E072}"/>
           </ac:cxnSpMkLst>
         </pc:cxnChg>
+      </pc:sldChg>
+    </pc:docChg>
+  </pc:docChgLst>
+  <pc:docChgLst>
+    <pc:chgData name="Uros Kuzmanov" userId="9dea3f15909c750c" providerId="LiveId" clId="{6A840418-5776-4DD4-9C11-E05205A70FA4}"/>
+    <pc:docChg chg="undo custSel addSld modSld">
+      <pc:chgData name="Uros Kuzmanov" userId="9dea3f15909c750c" providerId="LiveId" clId="{6A840418-5776-4DD4-9C11-E05205A70FA4}" dt="2024-11-22T16:03:22.647" v="93" actId="680"/>
+      <pc:docMkLst>
+        <pc:docMk/>
+      </pc:docMkLst>
+      <pc:sldChg chg="addSp modSp mod">
+        <pc:chgData name="Uros Kuzmanov" userId="9dea3f15909c750c" providerId="LiveId" clId="{6A840418-5776-4DD4-9C11-E05205A70FA4}" dt="2024-11-22T15:47:15.529" v="91" actId="207"/>
+        <pc:sldMkLst>
+          <pc:docMk/>
+          <pc:sldMk cId="3522169585" sldId="262"/>
+        </pc:sldMkLst>
+        <pc:picChg chg="add mod">
+          <ac:chgData name="Uros Kuzmanov" userId="9dea3f15909c750c" providerId="LiveId" clId="{6A840418-5776-4DD4-9C11-E05205A70FA4}" dt="2024-11-22T15:47:15.529" v="91" actId="207"/>
+          <ac:picMkLst>
+            <pc:docMk/>
+            <pc:sldMk cId="3522169585" sldId="262"/>
+            <ac:picMk id="11" creationId="{6377DE27-66D3-8825-E32F-CC7F5A672B00}"/>
+          </ac:picMkLst>
+        </pc:picChg>
+      </pc:sldChg>
+      <pc:sldChg chg="addSp delSp modSp mod">
+        <pc:chgData name="Uros Kuzmanov" userId="9dea3f15909c750c" providerId="LiveId" clId="{6A840418-5776-4DD4-9C11-E05205A70FA4}" dt="2024-11-22T15:47:31.275" v="92" actId="207"/>
+        <pc:sldMkLst>
+          <pc:docMk/>
+          <pc:sldMk cId="1557173972" sldId="267"/>
+        </pc:sldMkLst>
+        <pc:grpChg chg="mod">
+          <ac:chgData name="Uros Kuzmanov" userId="9dea3f15909c750c" providerId="LiveId" clId="{6A840418-5776-4DD4-9C11-E05205A70FA4}" dt="2024-11-22T15:41:53.096" v="3" actId="1076"/>
+          <ac:grpSpMkLst>
+            <pc:docMk/>
+            <pc:sldMk cId="1557173972" sldId="267"/>
+            <ac:grpSpMk id="11" creationId="{EBEA597A-F1EB-F40D-C62D-5A72062AB23A}"/>
+          </ac:grpSpMkLst>
+        </pc:grpChg>
+        <pc:picChg chg="add mod">
+          <ac:chgData name="Uros Kuzmanov" userId="9dea3f15909c750c" providerId="LiveId" clId="{6A840418-5776-4DD4-9C11-E05205A70FA4}" dt="2024-11-22T15:47:31.275" v="92" actId="207"/>
+          <ac:picMkLst>
+            <pc:docMk/>
+            <pc:sldMk cId="1557173972" sldId="267"/>
+            <ac:picMk id="13" creationId="{C4341EC2-7B95-8F14-3877-32E2785142B9}"/>
+          </ac:picMkLst>
+        </pc:picChg>
+        <pc:picChg chg="add del mod">
+          <ac:chgData name="Uros Kuzmanov" userId="9dea3f15909c750c" providerId="LiveId" clId="{6A840418-5776-4DD4-9C11-E05205A70FA4}" dt="2024-11-22T15:43:40.728" v="13" actId="478"/>
+          <ac:picMkLst>
+            <pc:docMk/>
+            <pc:sldMk cId="1557173972" sldId="267"/>
+            <ac:picMk id="14" creationId="{581B6AD4-817B-3C66-25DE-E0716D91968A}"/>
+          </ac:picMkLst>
+        </pc:picChg>
+        <pc:picChg chg="add del mod">
+          <ac:chgData name="Uros Kuzmanov" userId="9dea3f15909c750c" providerId="LiveId" clId="{6A840418-5776-4DD4-9C11-E05205A70FA4}" dt="2024-11-22T15:44:43.390" v="30" actId="21"/>
+          <ac:picMkLst>
+            <pc:docMk/>
+            <pc:sldMk cId="1557173972" sldId="267"/>
+            <ac:picMk id="15" creationId="{A7A3DFC9-BCFA-5D16-D521-7A3286EBC8D0}"/>
+          </ac:picMkLst>
+        </pc:picChg>
+      </pc:sldChg>
+      <pc:sldChg chg="new">
+        <pc:chgData name="Uros Kuzmanov" userId="9dea3f15909c750c" providerId="LiveId" clId="{6A840418-5776-4DD4-9C11-E05205A70FA4}" dt="2024-11-22T16:03:22.647" v="93" actId="680"/>
+        <pc:sldMkLst>
+          <pc:docMk/>
+          <pc:sldMk cId="2997407261" sldId="268"/>
+        </pc:sldMkLst>
       </pc:sldChg>
     </pc:docChg>
   </pc:docChgLst>
@@ -1619,7 +1690,7 @@
           <a:p>
             <a:fld id="{3049AE66-483B-45C0-BA88-1D3C87F66297}" type="datetimeFigureOut">
               <a:rPr lang="en-CA" smtClean="0"/>
-              <a:t>2024-06-18</a:t>
+              <a:t>2024-11-22</a:t>
             </a:fld>
             <a:endParaRPr lang="en-CA"/>
           </a:p>
@@ -1819,7 +1890,7 @@
           <a:p>
             <a:fld id="{3049AE66-483B-45C0-BA88-1D3C87F66297}" type="datetimeFigureOut">
               <a:rPr lang="en-CA" smtClean="0"/>
-              <a:t>2024-06-18</a:t>
+              <a:t>2024-11-22</a:t>
             </a:fld>
             <a:endParaRPr lang="en-CA"/>
           </a:p>
@@ -2029,7 +2100,7 @@
           <a:p>
             <a:fld id="{3049AE66-483B-45C0-BA88-1D3C87F66297}" type="datetimeFigureOut">
               <a:rPr lang="en-CA" smtClean="0"/>
-              <a:t>2024-06-18</a:t>
+              <a:t>2024-11-22</a:t>
             </a:fld>
             <a:endParaRPr lang="en-CA"/>
           </a:p>
@@ -2229,7 +2300,7 @@
           <a:p>
             <a:fld id="{3049AE66-483B-45C0-BA88-1D3C87F66297}" type="datetimeFigureOut">
               <a:rPr lang="en-CA" smtClean="0"/>
-              <a:t>2024-06-18</a:t>
+              <a:t>2024-11-22</a:t>
             </a:fld>
             <a:endParaRPr lang="en-CA"/>
           </a:p>
@@ -2505,7 +2576,7 @@
           <a:p>
             <a:fld id="{3049AE66-483B-45C0-BA88-1D3C87F66297}" type="datetimeFigureOut">
               <a:rPr lang="en-CA" smtClean="0"/>
-              <a:t>2024-06-18</a:t>
+              <a:t>2024-11-22</a:t>
             </a:fld>
             <a:endParaRPr lang="en-CA"/>
           </a:p>
@@ -2773,7 +2844,7 @@
           <a:p>
             <a:fld id="{3049AE66-483B-45C0-BA88-1D3C87F66297}" type="datetimeFigureOut">
               <a:rPr lang="en-CA" smtClean="0"/>
-              <a:t>2024-06-18</a:t>
+              <a:t>2024-11-22</a:t>
             </a:fld>
             <a:endParaRPr lang="en-CA"/>
           </a:p>
@@ -3188,7 +3259,7 @@
           <a:p>
             <a:fld id="{3049AE66-483B-45C0-BA88-1D3C87F66297}" type="datetimeFigureOut">
               <a:rPr lang="en-CA" smtClean="0"/>
-              <a:t>2024-06-18</a:t>
+              <a:t>2024-11-22</a:t>
             </a:fld>
             <a:endParaRPr lang="en-CA"/>
           </a:p>
@@ -3330,7 +3401,7 @@
           <a:p>
             <a:fld id="{3049AE66-483B-45C0-BA88-1D3C87F66297}" type="datetimeFigureOut">
               <a:rPr lang="en-CA" smtClean="0"/>
-              <a:t>2024-06-18</a:t>
+              <a:t>2024-11-22</a:t>
             </a:fld>
             <a:endParaRPr lang="en-CA"/>
           </a:p>
@@ -3443,7 +3514,7 @@
           <a:p>
             <a:fld id="{3049AE66-483B-45C0-BA88-1D3C87F66297}" type="datetimeFigureOut">
               <a:rPr lang="en-CA" smtClean="0"/>
-              <a:t>2024-06-18</a:t>
+              <a:t>2024-11-22</a:t>
             </a:fld>
             <a:endParaRPr lang="en-CA"/>
           </a:p>
@@ -3756,7 +3827,7 @@
           <a:p>
             <a:fld id="{3049AE66-483B-45C0-BA88-1D3C87F66297}" type="datetimeFigureOut">
               <a:rPr lang="en-CA" smtClean="0"/>
-              <a:t>2024-06-18</a:t>
+              <a:t>2024-11-22</a:t>
             </a:fld>
             <a:endParaRPr lang="en-CA"/>
           </a:p>
@@ -4045,7 +4116,7 @@
           <a:p>
             <a:fld id="{3049AE66-483B-45C0-BA88-1D3C87F66297}" type="datetimeFigureOut">
               <a:rPr lang="en-CA" smtClean="0"/>
-              <a:t>2024-06-18</a:t>
+              <a:t>2024-11-22</a:t>
             </a:fld>
             <a:endParaRPr lang="en-CA"/>
           </a:p>
@@ -4288,7 +4359,7 @@
           <a:p>
             <a:fld id="{3049AE66-483B-45C0-BA88-1D3C87F66297}" type="datetimeFigureOut">
               <a:rPr lang="en-CA" smtClean="0"/>
-              <a:t>2024-06-18</a:t>
+              <a:t>2024-11-22</a:t>
             </a:fld>
             <a:endParaRPr lang="en-CA"/>
           </a:p>
@@ -7244,7 +7315,7 @@
         </p:nvGrpSpPr>
         <p:grpSpPr>
           <a:xfrm>
-            <a:off x="4016821" y="1173681"/>
+            <a:off x="4506939" y="1437029"/>
             <a:ext cx="3814352" cy="4723401"/>
             <a:chOff x="4016821" y="1173681"/>
             <a:chExt cx="3814352" cy="4723401"/>
@@ -7914,10 +7985,126 @@
           </p:sp>
         </p:grpSp>
       </p:grpSp>
+      <p:pic>
+        <p:nvPicPr>
+          <p:cNvPr id="13" name="Graphic 12" descr="Badge Tm outline">
+            <a:extLst>
+              <a:ext uri="{FF2B5EF4-FFF2-40B4-BE49-F238E27FC236}">
+                <a16:creationId xmlns:a16="http://schemas.microsoft.com/office/drawing/2014/main" id="{C4341EC2-7B95-8F14-3877-32E2785142B9}"/>
+              </a:ext>
+            </a:extLst>
+          </p:cNvPr>
+          <p:cNvPicPr>
+            <a:picLocks noChangeAspect="1"/>
+          </p:cNvPicPr>
+          <p:nvPr/>
+        </p:nvPicPr>
+        <p:blipFill>
+          <a:blip r:embed="rId2">
+            <a:extLst>
+              <a:ext uri="{96DAC541-7B7A-43D3-8B79-37D633B846F1}">
+                <asvg:svgBlip xmlns:asvg="http://schemas.microsoft.com/office/drawing/2016/SVG/main" r:embed="rId3"/>
+              </a:ext>
+            </a:extLst>
+          </a:blip>
+          <a:stretch>
+            <a:fillRect/>
+          </a:stretch>
+        </p:blipFill>
+        <p:spPr>
+          <a:xfrm>
+            <a:off x="7529291" y="5800430"/>
+            <a:ext cx="720000" cy="720000"/>
+          </a:xfrm>
+          <a:prstGeom prst="rect">
+            <a:avLst/>
+          </a:prstGeom>
+        </p:spPr>
+      </p:pic>
     </p:spTree>
     <p:extLst>
       <p:ext uri="{BB962C8B-B14F-4D97-AF65-F5344CB8AC3E}">
         <p14:creationId xmlns:p14="http://schemas.microsoft.com/office/powerpoint/2010/main" val="1557173972"/>
+      </p:ext>
+    </p:extLst>
+  </p:cSld>
+  <p:clrMapOvr>
+    <a:masterClrMapping/>
+  </p:clrMapOvr>
+</p:sld>
+</file>
+
+<file path=ppt/slides/slide13.xml><?xml version="1.0" encoding="utf-8"?>
+<p:sld xmlns:a="http://schemas.openxmlformats.org/drawingml/2006/main" xmlns:r="http://schemas.openxmlformats.org/officeDocument/2006/relationships" xmlns:p="http://schemas.openxmlformats.org/presentationml/2006/main">
+  <p:cSld>
+    <p:spTree>
+      <p:nvGrpSpPr>
+        <p:cNvPr id="1" name=""/>
+        <p:cNvGrpSpPr/>
+        <p:nvPr/>
+      </p:nvGrpSpPr>
+      <p:grpSpPr>
+        <a:xfrm>
+          <a:off x="0" y="0"/>
+          <a:ext cx="0" cy="0"/>
+          <a:chOff x="0" y="0"/>
+          <a:chExt cx="0" cy="0"/>
+        </a:xfrm>
+      </p:grpSpPr>
+      <p:sp>
+        <p:nvSpPr>
+          <p:cNvPr id="2" name="Title 1">
+            <a:extLst>
+              <a:ext uri="{FF2B5EF4-FFF2-40B4-BE49-F238E27FC236}">
+                <a16:creationId xmlns:a16="http://schemas.microsoft.com/office/drawing/2014/main" id="{7C41DFB9-1275-BB28-1AE5-40C507A2E7E0}"/>
+              </a:ext>
+            </a:extLst>
+          </p:cNvPr>
+          <p:cNvSpPr>
+            <a:spLocks noGrp="1"/>
+          </p:cNvSpPr>
+          <p:nvPr>
+            <p:ph type="title"/>
+          </p:nvPr>
+        </p:nvSpPr>
+        <p:spPr/>
+        <p:txBody>
+          <a:bodyPr/>
+          <a:lstStyle/>
+          <a:p>
+            <a:endParaRPr lang="en-CA"/>
+          </a:p>
+        </p:txBody>
+      </p:sp>
+      <p:sp>
+        <p:nvSpPr>
+          <p:cNvPr id="3" name="Content Placeholder 2">
+            <a:extLst>
+              <a:ext uri="{FF2B5EF4-FFF2-40B4-BE49-F238E27FC236}">
+                <a16:creationId xmlns:a16="http://schemas.microsoft.com/office/drawing/2014/main" id="{98CEF0E6-9D80-11CA-B5F3-CB2196E8C1A6}"/>
+              </a:ext>
+            </a:extLst>
+          </p:cNvPr>
+          <p:cNvSpPr>
+            <a:spLocks noGrp="1"/>
+          </p:cNvSpPr>
+          <p:nvPr>
+            <p:ph idx="1"/>
+          </p:nvPr>
+        </p:nvSpPr>
+        <p:spPr/>
+        <p:txBody>
+          <a:bodyPr/>
+          <a:lstStyle/>
+          <a:p>
+            <a:endParaRPr lang="en-CA"/>
+          </a:p>
+        </p:txBody>
+      </p:sp>
+    </p:spTree>
+    <p:extLst>
+      <p:ext uri="{BB962C8B-B14F-4D97-AF65-F5344CB8AC3E}">
+        <p14:creationId xmlns:p14="http://schemas.microsoft.com/office/powerpoint/2010/main" val="2997407261"/>
       </p:ext>
     </p:extLst>
   </p:cSld>
@@ -10896,6 +11083,42 @@
           </p:sp>
         </p:grpSp>
       </p:grpSp>
+      <p:pic>
+        <p:nvPicPr>
+          <p:cNvPr id="11" name="Graphic 10" descr="Badge Tm outline">
+            <a:extLst>
+              <a:ext uri="{FF2B5EF4-FFF2-40B4-BE49-F238E27FC236}">
+                <a16:creationId xmlns:a16="http://schemas.microsoft.com/office/drawing/2014/main" id="{6377DE27-66D3-8825-E32F-CC7F5A672B00}"/>
+              </a:ext>
+            </a:extLst>
+          </p:cNvPr>
+          <p:cNvPicPr>
+            <a:picLocks noChangeAspect="1"/>
+          </p:cNvPicPr>
+          <p:nvPr/>
+        </p:nvPicPr>
+        <p:blipFill>
+          <a:blip r:embed="rId2">
+            <a:extLst>
+              <a:ext uri="{96DAC541-7B7A-43D3-8B79-37D633B846F1}">
+                <asvg:svgBlip xmlns:asvg="http://schemas.microsoft.com/office/drawing/2016/SVG/main" r:embed="rId3"/>
+              </a:ext>
+            </a:extLst>
+          </a:blip>
+          <a:stretch>
+            <a:fillRect/>
+          </a:stretch>
+        </p:blipFill>
+        <p:spPr>
+          <a:xfrm>
+            <a:off x="7039173" y="5537083"/>
+            <a:ext cx="720000" cy="720000"/>
+          </a:xfrm>
+          <a:prstGeom prst="rect">
+            <a:avLst/>
+          </a:prstGeom>
+        </p:spPr>
+      </p:pic>
     </p:spTree>
     <p:extLst>
       <p:ext uri="{BB962C8B-B14F-4D97-AF65-F5344CB8AC3E}">
